--- a/Test_AI.pptx
+++ b/Test_AI.pptx
@@ -5,27 +5,28 @@
     <p:sldMasterId id="2147483672" r:id="rId4"/>
   </p:sldMasterIdLst>
   <p:notesMasterIdLst>
-    <p:notesMasterId r:id="rId15"/>
+    <p:notesMasterId r:id="rId16"/>
   </p:notesMasterIdLst>
   <p:handoutMasterIdLst>
-    <p:handoutMasterId r:id="rId16"/>
+    <p:handoutMasterId r:id="rId17"/>
   </p:handoutMasterIdLst>
   <p:sldIdLst>
-    <p:sldId id="379" r:id="rId5"/>
-    <p:sldId id="383" r:id="rId6"/>
-    <p:sldId id="396" r:id="rId7"/>
-    <p:sldId id="371" r:id="rId8"/>
-    <p:sldId id="359" r:id="rId9"/>
-    <p:sldId id="392" r:id="rId10"/>
-    <p:sldId id="399" r:id="rId11"/>
-    <p:sldId id="397" r:id="rId12"/>
-    <p:sldId id="362" r:id="rId13"/>
-    <p:sldId id="398" r:id="rId14"/>
+    <p:sldId id="400" r:id="rId5"/>
+    <p:sldId id="379" r:id="rId6"/>
+    <p:sldId id="383" r:id="rId7"/>
+    <p:sldId id="396" r:id="rId8"/>
+    <p:sldId id="371" r:id="rId9"/>
+    <p:sldId id="359" r:id="rId10"/>
+    <p:sldId id="392" r:id="rId11"/>
+    <p:sldId id="399" r:id="rId12"/>
+    <p:sldId id="397" r:id="rId13"/>
+    <p:sldId id="362" r:id="rId14"/>
+    <p:sldId id="398" r:id="rId15"/>
   </p:sldIdLst>
   <p:sldSz cx="12188825" cy="6858000"/>
   <p:notesSz cx="6858000" cy="9144000"/>
   <p:custDataLst>
-    <p:tags r:id="rId17"/>
+    <p:tags r:id="rId18"/>
   </p:custDataLst>
   <p:defaultTextStyle>
     <a:defPPr>
@@ -808,7 +809,7 @@
           <a:p>
             <a:fld id="{F93199CD-3E1B-4AE6-990F-76F925F5EA9F}" type="slidenum">
               <a:rPr lang="en-US" smtClean="0"/>
-              <a:t>1</a:t>
+              <a:t>2</a:t>
             </a:fld>
             <a:endParaRPr lang="en-US" dirty="0"/>
           </a:p>
@@ -892,7 +893,7 @@
           <a:p>
             <a:fld id="{F93199CD-3E1B-4AE6-990F-76F925F5EA9F}" type="slidenum">
               <a:rPr lang="en-US" smtClean="0"/>
-              <a:t>2</a:t>
+              <a:t>3</a:t>
             </a:fld>
             <a:endParaRPr lang="en-US" dirty="0"/>
           </a:p>
@@ -1023,7 +1024,7 @@
                 <a:tabLst/>
                 <a:defRPr/>
               </a:pPr>
-              <a:t>3</a:t>
+              <a:t>4</a:t>
             </a:fld>
             <a:endParaRPr kumimoji="0" lang="en-US" sz="1200" b="0" i="0" u="none" strike="noStrike" kern="1200" cap="none" spc="0" normalizeH="0" baseline="0" noProof="0" dirty="0">
               <a:ln>
@@ -1120,7 +1121,7 @@
           <a:p>
             <a:fld id="{F93199CD-3E1B-4AE6-990F-76F925F5EA9F}" type="slidenum">
               <a:rPr lang="en-US" smtClean="0"/>
-              <a:t>4</a:t>
+              <a:t>5</a:t>
             </a:fld>
             <a:endParaRPr lang="en-US" dirty="0"/>
           </a:p>
@@ -1251,7 +1252,7 @@
                 <a:tabLst/>
                 <a:defRPr/>
               </a:pPr>
-              <a:t>5</a:t>
+              <a:t>6</a:t>
             </a:fld>
             <a:endParaRPr kumimoji="0" lang="en-US" sz="1200" b="0" i="0" u="none" strike="noStrike" kern="1200" cap="none" spc="0" normalizeH="0" baseline="0" noProof="0" dirty="0">
               <a:ln>
@@ -1395,7 +1396,7 @@
                 <a:tabLst/>
                 <a:defRPr/>
               </a:pPr>
-              <a:t>6</a:t>
+              <a:t>7</a:t>
             </a:fld>
             <a:endParaRPr kumimoji="0" lang="en-US" sz="1200" b="0" i="0" u="none" strike="noStrike" kern="1200" cap="none" spc="0" normalizeH="0" baseline="0" noProof="0" dirty="0">
               <a:ln>
@@ -1539,7 +1540,7 @@
                 <a:tabLst/>
                 <a:defRPr/>
               </a:pPr>
-              <a:t>9</a:t>
+              <a:t>10</a:t>
             </a:fld>
             <a:endParaRPr kumimoji="0" lang="en-US" sz="1200" b="0" i="0" u="none" strike="noStrike" kern="1200" cap="none" spc="0" normalizeH="0" baseline="0" noProof="0" dirty="0">
               <a:ln>
@@ -19190,115 +19191,10 @@
       </p:grpSpPr>
       <p:sp>
         <p:nvSpPr>
-          <p:cNvPr id="2" name="Title 1"/>
-          <p:cNvSpPr>
-            <a:spLocks noGrp="1"/>
-          </p:cNvSpPr>
-          <p:nvPr>
-            <p:ph type="title"/>
-          </p:nvPr>
-        </p:nvSpPr>
-        <p:spPr>
-          <a:xfrm>
-            <a:off x="3803904" y="1984248"/>
-            <a:ext cx="8001000" cy="2359152"/>
-          </a:xfrm>
-        </p:spPr>
-        <p:txBody>
-          <a:bodyPr anchor="ctr">
-            <a:normAutofit/>
-          </a:bodyPr>
-          <a:lstStyle/>
-          <a:p>
-            <a:r>
-              <a:rPr lang="en-US" dirty="0"/>
-              <a:t>From Design to Deployment:</a:t>
-            </a:r>
-          </a:p>
-        </p:txBody>
-      </p:sp>
-      <p:sp>
-        <p:nvSpPr>
-          <p:cNvPr id="3" name="Subtitle 2"/>
-          <p:cNvSpPr>
-            <a:spLocks noGrp="1"/>
-          </p:cNvSpPr>
-          <p:nvPr>
-            <p:ph type="subTitle" idx="1"/>
-          </p:nvPr>
-        </p:nvSpPr>
-        <p:spPr>
-          <a:xfrm>
-            <a:off x="3803904" y="3826764"/>
-            <a:ext cx="8001000" cy="1033272"/>
-          </a:xfrm>
-        </p:spPr>
-        <p:txBody>
-          <a:bodyPr vert="horz" lIns="91440" tIns="45720" rIns="91440" bIns="45720" rtlCol="0" anchor="t">
-            <a:normAutofit fontScale="77500" lnSpcReduction="20000"/>
-          </a:bodyPr>
-          <a:lstStyle/>
-          <a:p>
-            <a:pPr>
-              <a:lnSpc>
-                <a:spcPct val="150000"/>
-              </a:lnSpc>
-            </a:pPr>
-            <a:r>
-              <a:rPr lang="en-US" sz="3200" b="0" dirty="0"/>
-              <a:t>TestAI: AI-Powered Test Case Generation</a:t>
-            </a:r>
-          </a:p>
-        </p:txBody>
-      </p:sp>
-    </p:spTree>
-    <p:extLst>
-      <p:ext uri="{BB962C8B-B14F-4D97-AF65-F5344CB8AC3E}">
-        <p14:creationId xmlns:p14="http://schemas.microsoft.com/office/powerpoint/2010/main" val="263174755"/>
-      </p:ext>
-    </p:extLst>
-  </p:cSld>
-  <p:clrMapOvr>
-    <a:masterClrMapping/>
-  </p:clrMapOvr>
-  <mc:AlternateContent xmlns:mc="http://schemas.openxmlformats.org/markup-compatibility/2006">
-    <mc:Choice xmlns:p159="http://schemas.microsoft.com/office/powerpoint/2015/09/main" Requires="p159">
-      <p:transition xmlns:p14="http://schemas.microsoft.com/office/powerpoint/2010/main" spd="slow" p14:dur="2000">
-        <p159:morph option="byObject"/>
-      </p:transition>
-    </mc:Choice>
-    <mc:Fallback>
-      <p:transition spd="slow">
-        <p:fade/>
-      </p:transition>
-    </mc:Fallback>
-  </mc:AlternateContent>
-</p:sld>
-</file>
-
-<file path=ppt/slides/slide10.xml><?xml version="1.0" encoding="utf-8"?>
-<p:sld xmlns:a="http://schemas.openxmlformats.org/drawingml/2006/main" xmlns:r="http://schemas.openxmlformats.org/officeDocument/2006/relationships" xmlns:p="http://schemas.openxmlformats.org/presentationml/2006/main">
-  <p:cSld>
-    <p:spTree>
-      <p:nvGrpSpPr>
-        <p:cNvPr id="1" name=""/>
-        <p:cNvGrpSpPr/>
-        <p:nvPr/>
-      </p:nvGrpSpPr>
-      <p:grpSpPr>
-        <a:xfrm>
-          <a:off x="0" y="0"/>
-          <a:ext cx="0" cy="0"/>
-          <a:chOff x="0" y="0"/>
-          <a:chExt cx="0" cy="0"/>
-        </a:xfrm>
-      </p:grpSpPr>
-      <p:sp>
-        <p:nvSpPr>
           <p:cNvPr id="2" name="Title 1">
             <a:extLst>
               <a:ext uri="{FF2B5EF4-FFF2-40B4-BE49-F238E27FC236}">
-                <a16:creationId xmlns:a16="http://schemas.microsoft.com/office/drawing/2014/main" id="{60A7EBBF-BFB3-0697-CDBD-4EDDC1F4A4D1}"/>
+                <a16:creationId xmlns:a16="http://schemas.microsoft.com/office/drawing/2014/main" id="{634C8CD2-F330-B5A9-195F-2A0A07096C20}"/>
               </a:ext>
             </a:extLst>
           </p:cNvPr>
@@ -19316,59 +19212,114 @@
           <a:p>
             <a:r>
               <a:rPr lang="en-IN" dirty="0"/>
-              <a:t>Thank you.</a:t>
+              <a:t>Dopaminergic</a:t>
             </a:r>
           </a:p>
         </p:txBody>
       </p:sp>
-    </p:spTree>
-    <p:extLst>
-      <p:ext uri="{BB962C8B-B14F-4D97-AF65-F5344CB8AC3E}">
-        <p14:creationId xmlns:p14="http://schemas.microsoft.com/office/powerpoint/2010/main" val="2093013205"/>
-      </p:ext>
-    </p:extLst>
-  </p:cSld>
-  <p:clrMapOvr>
-    <a:masterClrMapping/>
-  </p:clrMapOvr>
-  <mc:AlternateContent xmlns:mc="http://schemas.openxmlformats.org/markup-compatibility/2006">
-    <mc:Choice xmlns:p159="http://schemas.microsoft.com/office/powerpoint/2015/09/main" Requires="p159">
-      <p:transition xmlns:p14="http://schemas.microsoft.com/office/powerpoint/2010/main" spd="slow" p14:dur="2000">
-        <p159:morph option="byObject"/>
-      </p:transition>
-    </mc:Choice>
-    <mc:Fallback>
-      <p:transition spd="slow">
-        <p:fade/>
-      </p:transition>
-    </mc:Fallback>
-  </mc:AlternateContent>
-</p:sld>
-</file>
-
-<file path=ppt/slides/slide2.xml><?xml version="1.0" encoding="utf-8"?>
-<p:sld xmlns:a="http://schemas.openxmlformats.org/drawingml/2006/main" xmlns:r="http://schemas.openxmlformats.org/officeDocument/2006/relationships" xmlns:p="http://schemas.openxmlformats.org/presentationml/2006/main">
-  <p:cSld>
-    <p:spTree>
-      <p:nvGrpSpPr>
-        <p:cNvPr id="1" name=""/>
-        <p:cNvGrpSpPr/>
-        <p:nvPr/>
-      </p:nvGrpSpPr>
-      <p:grpSpPr>
-        <a:xfrm>
-          <a:off x="0" y="0"/>
-          <a:ext cx="0" cy="0"/>
-          <a:chOff x="0" y="0"/>
-          <a:chExt cx="0" cy="0"/>
-        </a:xfrm>
-      </p:grpSpPr>
       <p:sp>
         <p:nvSpPr>
-          <p:cNvPr id="2" name="Slide Number Placeholder 1">
+          <p:cNvPr id="3" name="Content Placeholder 2">
             <a:extLst>
               <a:ext uri="{FF2B5EF4-FFF2-40B4-BE49-F238E27FC236}">
-                <a16:creationId xmlns:a16="http://schemas.microsoft.com/office/drawing/2014/main" id="{9E020C5F-7F4B-E4D5-9419-7E7F825C066B}"/>
+                <a16:creationId xmlns:a16="http://schemas.microsoft.com/office/drawing/2014/main" id="{583CC131-DA88-63C0-A0BB-1C8AF49529C5}"/>
+              </a:ext>
+            </a:extLst>
+          </p:cNvPr>
+          <p:cNvSpPr>
+            <a:spLocks noGrp="1"/>
+          </p:cNvSpPr>
+          <p:nvPr>
+            <p:ph sz="quarter" idx="14"/>
+          </p:nvPr>
+        </p:nvSpPr>
+        <p:spPr>
+          <a:xfrm>
+            <a:off x="987552" y="2304288"/>
+            <a:ext cx="10360152" cy="3410712"/>
+          </a:xfrm>
+        </p:spPr>
+        <p:txBody>
+          <a:bodyPr/>
+          <a:lstStyle/>
+          <a:p>
+            <a:pPr marL="0" indent="0">
+              <a:buNone/>
+            </a:pPr>
+            <a:r>
+              <a:rPr lang="en-IN" b="1" dirty="0"/>
+              <a:t>Team Members:</a:t>
+            </a:r>
+            <a:r>
+              <a:rPr lang="en-IN" dirty="0"/>
+              <a:t> </a:t>
+            </a:r>
+          </a:p>
+          <a:p>
+            <a:pPr marL="0" indent="0">
+              <a:buNone/>
+            </a:pPr>
+            <a:r>
+              <a:rPr lang="en-IN" dirty="0"/>
+              <a:t>Aum Oza</a:t>
+            </a:r>
+          </a:p>
+          <a:p>
+            <a:pPr marL="0" indent="0">
+              <a:buNone/>
+            </a:pPr>
+            <a:r>
+              <a:rPr lang="en-IN" dirty="0"/>
+              <a:t>Vrund </a:t>
+            </a:r>
+            <a:r>
+              <a:rPr lang="en-IN" dirty="0" err="1"/>
+              <a:t>Jotania</a:t>
+            </a:r>
+            <a:endParaRPr lang="en-IN" dirty="0"/>
+          </a:p>
+          <a:p>
+            <a:pPr marL="0" indent="0">
+              <a:buNone/>
+            </a:pPr>
+            <a:r>
+              <a:rPr lang="en-IN" dirty="0"/>
+              <a:t>Indrakshi Singh Chundawat</a:t>
+            </a:r>
+          </a:p>
+        </p:txBody>
+      </p:sp>
+      <p:sp>
+        <p:nvSpPr>
+          <p:cNvPr id="4" name="Content Placeholder 3">
+            <a:extLst>
+              <a:ext uri="{FF2B5EF4-FFF2-40B4-BE49-F238E27FC236}">
+                <a16:creationId xmlns:a16="http://schemas.microsoft.com/office/drawing/2014/main" id="{14D4CEF7-4A76-94E7-15B7-1156721B1C58}"/>
+              </a:ext>
+            </a:extLst>
+          </p:cNvPr>
+          <p:cNvSpPr>
+            <a:spLocks noGrp="1"/>
+          </p:cNvSpPr>
+          <p:nvPr>
+            <p:ph sz="quarter" idx="13"/>
+          </p:nvPr>
+        </p:nvSpPr>
+        <p:spPr/>
+        <p:txBody>
+          <a:bodyPr/>
+          <a:lstStyle/>
+          <a:p>
+            <a:endParaRPr lang="en-IN"/>
+          </a:p>
+        </p:txBody>
+      </p:sp>
+      <p:sp>
+        <p:nvSpPr>
+          <p:cNvPr id="5" name="Slide Number Placeholder 4">
+            <a:extLst>
+              <a:ext uri="{FF2B5EF4-FFF2-40B4-BE49-F238E27FC236}">
+                <a16:creationId xmlns:a16="http://schemas.microsoft.com/office/drawing/2014/main" id="{F1B6C169-8415-BBDF-CF04-D0F9C6EFFBE8}"/>
               </a:ext>
             </a:extLst>
           </p:cNvPr>
@@ -19387,824 +19338,7 @@
             <a:fld id="{2A013F82-EE5E-44EE-A61D-E31C6657F26F}" type="slidenum">
               <a:rPr lang="en-US" smtClean="0"/>
               <a:pPr/>
-              <a:t>2</a:t>
-            </a:fld>
-            <a:endParaRPr lang="en-US" dirty="0"/>
-          </a:p>
-        </p:txBody>
-      </p:sp>
-      <p:pic>
-        <p:nvPicPr>
-          <p:cNvPr id="8" name="Content Placeholder 7">
-            <a:extLst>
-              <a:ext uri="{FF2B5EF4-FFF2-40B4-BE49-F238E27FC236}">
-                <a16:creationId xmlns:a16="http://schemas.microsoft.com/office/drawing/2014/main" id="{E3BEFF28-2203-9F29-A72F-D57D74ECE289}"/>
-              </a:ext>
-            </a:extLst>
-          </p:cNvPr>
-          <p:cNvPicPr>
-            <a:picLocks noGrp="1" noChangeAspect="1"/>
-          </p:cNvPicPr>
-          <p:nvPr>
-            <p:ph sz="quarter" idx="13"/>
-          </p:nvPr>
-        </p:nvPicPr>
-        <p:blipFill>
-          <a:blip r:embed="rId3"/>
-          <a:stretch>
-            <a:fillRect/>
-          </a:stretch>
-        </p:blipFill>
-        <p:spPr>
-          <a:xfrm>
-            <a:off x="6775450" y="1171575"/>
-            <a:ext cx="4576763" cy="4576763"/>
-          </a:xfrm>
-        </p:spPr>
-      </p:pic>
-      <p:sp>
-        <p:nvSpPr>
-          <p:cNvPr id="3" name="Rectangle 1">
-            <a:extLst>
-              <a:ext uri="{FF2B5EF4-FFF2-40B4-BE49-F238E27FC236}">
-                <a16:creationId xmlns:a16="http://schemas.microsoft.com/office/drawing/2014/main" id="{5C3746D7-CA06-CA6B-5A39-0842C80E6471}"/>
-              </a:ext>
-            </a:extLst>
-          </p:cNvPr>
-          <p:cNvSpPr>
-            <a:spLocks noGrp="1" noChangeArrowheads="1"/>
-          </p:cNvSpPr>
-          <p:nvPr>
-            <p:ph type="title"/>
-          </p:nvPr>
-        </p:nvSpPr>
-        <p:spPr bwMode="auto">
-          <a:xfrm>
-            <a:off x="615390" y="2644170"/>
-            <a:ext cx="5486399" cy="1569660"/>
-          </a:xfrm>
-          <a:prstGeom prst="rect">
-            <a:avLst/>
-          </a:prstGeom>
-          <a:noFill/>
-          <a:ln>
-            <a:noFill/>
-          </a:ln>
-          <a:effectLst/>
-          <a:extLst>
-            <a:ext uri="{909E8E84-426E-40DD-AFC4-6F175D3DCCD1}">
-              <a14:hiddenFill xmlns:a14="http://schemas.microsoft.com/office/drawing/2010/main">
-                <a:solidFill>
-                  <a:schemeClr val="accent1"/>
-                </a:solidFill>
-              </a14:hiddenFill>
-            </a:ext>
-            <a:ext uri="{91240B29-F687-4F45-9708-019B960494DF}">
-              <a14:hiddenLine xmlns:a14="http://schemas.microsoft.com/office/drawing/2010/main" w="9525">
-                <a:solidFill>
-                  <a:schemeClr val="tx1"/>
-                </a:solidFill>
-                <a:miter lim="800000"/>
-                <a:headEnd/>
-                <a:tailEnd/>
-              </a14:hiddenLine>
-            </a:ext>
-            <a:ext uri="{AF507438-7753-43E0-B8FC-AC1667EBCBE1}">
-              <a14:hiddenEffects xmlns:a14="http://schemas.microsoft.com/office/drawing/2010/main">
-                <a:effectLst>
-                  <a:outerShdw dist="35921" dir="2700000" algn="ctr" rotWithShape="0">
-                    <a:schemeClr val="bg2"/>
-                  </a:outerShdw>
-                </a:effectLst>
-              </a14:hiddenEffects>
-            </a:ext>
-          </a:extLst>
-        </p:spPr>
-        <p:txBody>
-          <a:bodyPr vert="horz" wrap="square" lIns="91440" tIns="45720" rIns="91440" bIns="45720" numCol="1" anchor="ctr" anchorCtr="0" compatLnSpc="1">
-            <a:prstTxWarp prst="textNoShape">
-              <a:avLst/>
-            </a:prstTxWarp>
-            <a:spAutoFit/>
-          </a:bodyPr>
-          <a:lstStyle/>
-          <a:p>
-            <a:pPr marL="0" marR="0" lvl="0" indent="0" algn="l" defTabSz="914400" rtl="0" eaLnBrk="0" fontAlgn="base" latinLnBrk="0" hangingPunct="0">
-              <a:lnSpc>
-                <a:spcPct val="100000"/>
-              </a:lnSpc>
-              <a:spcBef>
-                <a:spcPct val="0"/>
-              </a:spcBef>
-              <a:spcAft>
-                <a:spcPct val="0"/>
-              </a:spcAft>
-              <a:buClrTx/>
-              <a:buSzTx/>
-              <a:buFontTx/>
-              <a:buNone/>
-              <a:tabLst/>
-            </a:pPr>
-            <a:r>
-              <a:rPr kumimoji="0" lang="en-US" altLang="en-US" sz="3200" i="0" u="none" strike="noStrike" cap="none" normalizeH="0" baseline="0" dirty="0">
-                <a:ln>
-                  <a:noFill/>
-                </a:ln>
-                <a:solidFill>
-                  <a:srgbClr val="F28360"/>
-                </a:solidFill>
-                <a:effectLst/>
-              </a:rPr>
-              <a:t>"WRITING TEST CASES IS A BOTTLENECK. </a:t>
-            </a:r>
-            <a:br>
-              <a:rPr kumimoji="0" lang="en-US" altLang="en-US" sz="3200" i="0" u="none" strike="noStrike" cap="none" normalizeH="0" baseline="0" dirty="0">
-                <a:ln>
-                  <a:noFill/>
-                </a:ln>
-                <a:solidFill>
-                  <a:srgbClr val="F28360"/>
-                </a:solidFill>
-                <a:effectLst/>
-              </a:rPr>
-            </a:br>
-            <a:r>
-              <a:rPr kumimoji="0" lang="en-US" altLang="en-US" sz="3200" i="0" u="none" strike="noStrike" cap="none" normalizeH="0" baseline="0" dirty="0">
-                <a:ln>
-                  <a:noFill/>
-                </a:ln>
-                <a:solidFill>
-                  <a:srgbClr val="F28360"/>
-                </a:solidFill>
-                <a:effectLst/>
-              </a:rPr>
-              <a:t>AI BREAKS THE BARRIER." </a:t>
-            </a:r>
-          </a:p>
-        </p:txBody>
-      </p:sp>
-    </p:spTree>
-    <p:extLst>
-      <p:ext uri="{BB962C8B-B14F-4D97-AF65-F5344CB8AC3E}">
-        <p14:creationId xmlns:p14="http://schemas.microsoft.com/office/powerpoint/2010/main" val="736585992"/>
-      </p:ext>
-    </p:extLst>
-  </p:cSld>
-  <p:clrMapOvr>
-    <a:masterClrMapping/>
-  </p:clrMapOvr>
-  <mc:AlternateContent xmlns:mc="http://schemas.openxmlformats.org/markup-compatibility/2006">
-    <mc:Choice xmlns:p159="http://schemas.microsoft.com/office/powerpoint/2015/09/main" Requires="p159">
-      <p:transition xmlns:p14="http://schemas.microsoft.com/office/powerpoint/2010/main" spd="slow" p14:dur="2000">
-        <p159:morph option="byObject"/>
-      </p:transition>
-    </mc:Choice>
-    <mc:Fallback>
-      <p:transition spd="slow">
-        <p:fade/>
-      </p:transition>
-    </mc:Fallback>
-  </mc:AlternateContent>
-</p:sld>
-</file>
-
-<file path=ppt/slides/slide3.xml><?xml version="1.0" encoding="utf-8"?>
-<p:sld xmlns:a="http://schemas.openxmlformats.org/drawingml/2006/main" xmlns:r="http://schemas.openxmlformats.org/officeDocument/2006/relationships" xmlns:p="http://schemas.openxmlformats.org/presentationml/2006/main">
-  <p:cSld>
-    <p:spTree>
-      <p:nvGrpSpPr>
-        <p:cNvPr id="1" name=""/>
-        <p:cNvGrpSpPr/>
-        <p:nvPr/>
-      </p:nvGrpSpPr>
-      <p:grpSpPr>
-        <a:xfrm>
-          <a:off x="0" y="0"/>
-          <a:ext cx="0" cy="0"/>
-          <a:chOff x="0" y="0"/>
-          <a:chExt cx="0" cy="0"/>
-        </a:xfrm>
-      </p:grpSpPr>
-      <p:sp>
-        <p:nvSpPr>
-          <p:cNvPr id="6" name="Title 5">
-            <a:extLst>
-              <a:ext uri="{FF2B5EF4-FFF2-40B4-BE49-F238E27FC236}">
-                <a16:creationId xmlns:a16="http://schemas.microsoft.com/office/drawing/2014/main" id="{CA07FC9A-2F3F-A8E9-F955-F60A22238D2C}"/>
-              </a:ext>
-            </a:extLst>
-          </p:cNvPr>
-          <p:cNvSpPr>
-            <a:spLocks noGrp="1"/>
-          </p:cNvSpPr>
-          <p:nvPr>
-            <p:ph type="title"/>
-          </p:nvPr>
-        </p:nvSpPr>
-        <p:spPr>
-          <a:xfrm>
-            <a:off x="6016752" y="1229933"/>
-            <a:ext cx="5788152" cy="2286000"/>
-          </a:xfrm>
-        </p:spPr>
-        <p:txBody>
-          <a:bodyPr>
-            <a:normAutofit/>
-          </a:bodyPr>
-          <a:lstStyle/>
-          <a:p>
-            <a:r>
-              <a:rPr lang="en-US" sz="3200" dirty="0"/>
-              <a:t>Manual Testing is Failing – It’s Time for AI</a:t>
-            </a:r>
-          </a:p>
-        </p:txBody>
-      </p:sp>
-      <p:sp>
-        <p:nvSpPr>
-          <p:cNvPr id="2" name="Slide Number Placeholder 1">
-            <a:extLst>
-              <a:ext uri="{FF2B5EF4-FFF2-40B4-BE49-F238E27FC236}">
-                <a16:creationId xmlns:a16="http://schemas.microsoft.com/office/drawing/2014/main" id="{53267850-CC18-9110-9D9D-23795370D2D3}"/>
-              </a:ext>
-            </a:extLst>
-          </p:cNvPr>
-          <p:cNvSpPr>
-            <a:spLocks noGrp="1"/>
-          </p:cNvSpPr>
-          <p:nvPr>
-            <p:ph type="sldNum" sz="quarter" idx="12"/>
-          </p:nvPr>
-        </p:nvSpPr>
-        <p:spPr/>
-        <p:txBody>
-          <a:bodyPr/>
-          <a:lstStyle/>
-          <a:p>
-            <a:fld id="{2A013F82-EE5E-44EE-A61D-E31C6657F26F}" type="slidenum">
-              <a:rPr lang="en-US" smtClean="0"/>
-              <a:pPr/>
-              <a:t>3</a:t>
-            </a:fld>
-            <a:endParaRPr lang="en-US" dirty="0"/>
-          </a:p>
-        </p:txBody>
-      </p:sp>
-      <p:sp>
-        <p:nvSpPr>
-          <p:cNvPr id="3" name="Rectangle 1">
-            <a:extLst>
-              <a:ext uri="{FF2B5EF4-FFF2-40B4-BE49-F238E27FC236}">
-                <a16:creationId xmlns:a16="http://schemas.microsoft.com/office/drawing/2014/main" id="{76B5D75D-4208-8B81-A5ED-18D20CC74DC2}"/>
-              </a:ext>
-            </a:extLst>
-          </p:cNvPr>
-          <p:cNvSpPr>
-            <a:spLocks noGrp="1" noChangeArrowheads="1"/>
-          </p:cNvSpPr>
-          <p:nvPr>
-            <p:ph sz="quarter" idx="13"/>
-          </p:nvPr>
-        </p:nvSpPr>
-        <p:spPr bwMode="auto">
-          <a:xfrm>
-            <a:off x="608012" y="1952460"/>
-            <a:ext cx="5259387" cy="3126946"/>
-          </a:xfrm>
-          <a:prstGeom prst="rect">
-            <a:avLst/>
-          </a:prstGeom>
-          <a:noFill/>
-          <a:ln>
-            <a:noFill/>
-          </a:ln>
-          <a:effectLst/>
-          <a:extLst>
-            <a:ext uri="{909E8E84-426E-40DD-AFC4-6F175D3DCCD1}">
-              <a14:hiddenFill xmlns:a14="http://schemas.microsoft.com/office/drawing/2010/main">
-                <a:solidFill>
-                  <a:schemeClr val="accent1"/>
-                </a:solidFill>
-              </a14:hiddenFill>
-            </a:ext>
-            <a:ext uri="{91240B29-F687-4F45-9708-019B960494DF}">
-              <a14:hiddenLine xmlns:a14="http://schemas.microsoft.com/office/drawing/2010/main" w="9525">
-                <a:solidFill>
-                  <a:schemeClr val="tx1"/>
-                </a:solidFill>
-                <a:miter lim="800000"/>
-                <a:headEnd/>
-                <a:tailEnd/>
-              </a14:hiddenLine>
-            </a:ext>
-            <a:ext uri="{AF507438-7753-43E0-B8FC-AC1667EBCBE1}">
-              <a14:hiddenEffects xmlns:a14="http://schemas.microsoft.com/office/drawing/2010/main">
-                <a:effectLst>
-                  <a:outerShdw dist="35921" dir="2700000" algn="ctr" rotWithShape="0">
-                    <a:schemeClr val="bg2"/>
-                  </a:outerShdw>
-                </a:effectLst>
-              </a14:hiddenEffects>
-            </a:ext>
-          </a:extLst>
-        </p:spPr>
-        <p:txBody>
-          <a:bodyPr vert="horz" wrap="square" lIns="91440" tIns="45720" rIns="91440" bIns="45720" numCol="1" anchor="ctr" anchorCtr="0" compatLnSpc="1">
-            <a:prstTxWarp prst="textNoShape">
-              <a:avLst/>
-            </a:prstTxWarp>
-            <a:spAutoFit/>
-          </a:bodyPr>
-          <a:lstStyle/>
-          <a:p>
-            <a:pPr marL="0" indent="0">
-              <a:buNone/>
-            </a:pPr>
-            <a:r>
-              <a:rPr lang="en-US" sz="2000" dirty="0"/>
-              <a:t>• Manual test case generation is time-consuming and error-prone.</a:t>
-            </a:r>
-          </a:p>
-          <a:p>
-            <a:pPr marL="0" indent="0">
-              <a:buNone/>
-            </a:pPr>
-            <a:r>
-              <a:rPr lang="en-US" sz="2000" dirty="0"/>
-              <a:t>• Test coverage issues arise due to human oversight.</a:t>
-            </a:r>
-          </a:p>
-          <a:p>
-            <a:pPr marL="0" indent="0">
-              <a:buNone/>
-            </a:pPr>
-            <a:r>
-              <a:rPr lang="en-US" sz="2000" dirty="0"/>
-              <a:t>• There’s a need for an AI-driven automated approach.</a:t>
-            </a:r>
-          </a:p>
-          <a:p>
-            <a:pPr marL="0" indent="0">
-              <a:buNone/>
-            </a:pPr>
-            <a:endParaRPr lang="en-IN" sz="2000" dirty="0"/>
-          </a:p>
-          <a:p>
-            <a:pPr marL="0" marR="0" lvl="0" indent="0" algn="l" defTabSz="914400" rtl="0" eaLnBrk="0" fontAlgn="base" latinLnBrk="0" hangingPunct="0">
-              <a:lnSpc>
-                <a:spcPct val="150000"/>
-              </a:lnSpc>
-              <a:spcBef>
-                <a:spcPct val="0"/>
-              </a:spcBef>
-              <a:spcAft>
-                <a:spcPct val="0"/>
-              </a:spcAft>
-              <a:buClrTx/>
-              <a:buSzTx/>
-              <a:buFontTx/>
-              <a:buChar char="•"/>
-              <a:tabLst/>
-            </a:pPr>
-            <a:endParaRPr kumimoji="0" lang="en-US" altLang="en-US" sz="2000" i="0" u="none" strike="noStrike" cap="none" normalizeH="0" baseline="0" dirty="0">
-              <a:ln>
-                <a:noFill/>
-              </a:ln>
-              <a:solidFill>
-                <a:schemeClr val="tx1"/>
-              </a:solidFill>
-              <a:effectLst/>
-              <a:latin typeface="Century Gothic" panose="020B0502020202020204" pitchFamily="34" charset="0"/>
-            </a:endParaRPr>
-          </a:p>
-        </p:txBody>
-      </p:sp>
-    </p:spTree>
-    <p:extLst>
-      <p:ext uri="{BB962C8B-B14F-4D97-AF65-F5344CB8AC3E}">
-        <p14:creationId xmlns:p14="http://schemas.microsoft.com/office/powerpoint/2010/main" val="3547294629"/>
-      </p:ext>
-    </p:extLst>
-  </p:cSld>
-  <p:clrMapOvr>
-    <a:masterClrMapping/>
-  </p:clrMapOvr>
-  <mc:AlternateContent xmlns:mc="http://schemas.openxmlformats.org/markup-compatibility/2006">
-    <mc:Choice xmlns:p159="http://schemas.microsoft.com/office/powerpoint/2015/09/main" Requires="p159">
-      <p:transition xmlns:p14="http://schemas.microsoft.com/office/powerpoint/2010/main" spd="slow" p14:dur="2000">
-        <p159:morph option="byObject"/>
-      </p:transition>
-    </mc:Choice>
-    <mc:Fallback>
-      <p:transition spd="slow">
-        <p:fade/>
-      </p:transition>
-    </mc:Fallback>
-  </mc:AlternateContent>
-</p:sld>
-</file>
-
-<file path=ppt/slides/slide4.xml><?xml version="1.0" encoding="utf-8"?>
-<p:sld xmlns:a="http://schemas.openxmlformats.org/drawingml/2006/main" xmlns:r="http://schemas.openxmlformats.org/officeDocument/2006/relationships" xmlns:p="http://schemas.openxmlformats.org/presentationml/2006/main">
-  <p:cSld>
-    <p:spTree>
-      <p:nvGrpSpPr>
-        <p:cNvPr id="1" name=""/>
-        <p:cNvGrpSpPr/>
-        <p:nvPr/>
-      </p:nvGrpSpPr>
-      <p:grpSpPr>
-        <a:xfrm>
-          <a:off x="0" y="0"/>
-          <a:ext cx="0" cy="0"/>
-          <a:chOff x="0" y="0"/>
-          <a:chExt cx="0" cy="0"/>
-        </a:xfrm>
-      </p:grpSpPr>
-      <p:sp>
-        <p:nvSpPr>
-          <p:cNvPr id="11" name="Title 10">
-            <a:extLst>
-              <a:ext uri="{FF2B5EF4-FFF2-40B4-BE49-F238E27FC236}">
-                <a16:creationId xmlns:a16="http://schemas.microsoft.com/office/drawing/2014/main" id="{0F8FCFCB-93C4-A34B-D650-ADFFB8C3EB8A}"/>
-              </a:ext>
-            </a:extLst>
-          </p:cNvPr>
-          <p:cNvSpPr>
-            <a:spLocks noGrp="1"/>
-          </p:cNvSpPr>
-          <p:nvPr>
-            <p:ph type="title"/>
-          </p:nvPr>
-        </p:nvSpPr>
-        <p:spPr>
-          <a:xfrm>
-            <a:off x="455612" y="914937"/>
-            <a:ext cx="8010144" cy="1673352"/>
-          </a:xfrm>
-        </p:spPr>
-        <p:txBody>
-          <a:bodyPr/>
-          <a:lstStyle/>
-          <a:p>
-            <a:r>
-              <a:rPr lang="en-US" dirty="0"/>
-              <a:t>Testing Reinvented: Meet </a:t>
-            </a:r>
-            <a:r>
-              <a:rPr lang="en-US" dirty="0" err="1"/>
-              <a:t>TestAi</a:t>
-            </a:r>
-            <a:endParaRPr lang="en-US" dirty="0"/>
-          </a:p>
-        </p:txBody>
-      </p:sp>
-      <p:sp>
-        <p:nvSpPr>
-          <p:cNvPr id="2" name="Slide Number Placeholder 1">
-            <a:extLst>
-              <a:ext uri="{FF2B5EF4-FFF2-40B4-BE49-F238E27FC236}">
-                <a16:creationId xmlns:a16="http://schemas.microsoft.com/office/drawing/2014/main" id="{668D17B5-4366-177D-7B14-8FF91A259B47}"/>
-              </a:ext>
-            </a:extLst>
-          </p:cNvPr>
-          <p:cNvSpPr>
-            <a:spLocks noGrp="1"/>
-          </p:cNvSpPr>
-          <p:nvPr>
-            <p:ph type="sldNum" sz="quarter" idx="12"/>
-          </p:nvPr>
-        </p:nvSpPr>
-        <p:spPr/>
-        <p:txBody>
-          <a:bodyPr/>
-          <a:lstStyle/>
-          <a:p>
-            <a:fld id="{2A013F82-EE5E-44EE-A61D-E31C6657F26F}" type="slidenum">
-              <a:rPr lang="en-US" smtClean="0"/>
-              <a:pPr/>
-              <a:t>4</a:t>
-            </a:fld>
-            <a:endParaRPr lang="en-US" dirty="0"/>
-          </a:p>
-        </p:txBody>
-      </p:sp>
-      <p:sp>
-        <p:nvSpPr>
-          <p:cNvPr id="3" name="Rectangle 1">
-            <a:extLst>
-              <a:ext uri="{FF2B5EF4-FFF2-40B4-BE49-F238E27FC236}">
-                <a16:creationId xmlns:a16="http://schemas.microsoft.com/office/drawing/2014/main" id="{884D92D8-362D-B446-492B-DFDFB6D2CE9D}"/>
-              </a:ext>
-            </a:extLst>
-          </p:cNvPr>
-          <p:cNvSpPr>
-            <a:spLocks noGrp="1" noChangeArrowheads="1"/>
-          </p:cNvSpPr>
-          <p:nvPr>
-            <p:ph sz="quarter" idx="13"/>
-          </p:nvPr>
-        </p:nvSpPr>
-        <p:spPr bwMode="auto">
-          <a:xfrm>
-            <a:off x="760412" y="2493749"/>
-            <a:ext cx="7239000" cy="2994346"/>
-          </a:xfrm>
-          <a:prstGeom prst="rect">
-            <a:avLst/>
-          </a:prstGeom>
-          <a:noFill/>
-          <a:ln>
-            <a:noFill/>
-          </a:ln>
-          <a:effectLst/>
-          <a:extLst>
-            <a:ext uri="{909E8E84-426E-40DD-AFC4-6F175D3DCCD1}">
-              <a14:hiddenFill xmlns:a14="http://schemas.microsoft.com/office/drawing/2010/main">
-                <a:solidFill>
-                  <a:schemeClr val="accent1"/>
-                </a:solidFill>
-              </a14:hiddenFill>
-            </a:ext>
-            <a:ext uri="{91240B29-F687-4F45-9708-019B960494DF}">
-              <a14:hiddenLine xmlns:a14="http://schemas.microsoft.com/office/drawing/2010/main" w="9525">
-                <a:solidFill>
-                  <a:schemeClr val="tx1"/>
-                </a:solidFill>
-                <a:miter lim="800000"/>
-                <a:headEnd/>
-                <a:tailEnd/>
-              </a14:hiddenLine>
-            </a:ext>
-            <a:ext uri="{AF507438-7753-43E0-B8FC-AC1667EBCBE1}">
-              <a14:hiddenEffects xmlns:a14="http://schemas.microsoft.com/office/drawing/2010/main">
-                <a:effectLst>
-                  <a:outerShdw dist="35921" dir="2700000" algn="ctr" rotWithShape="0">
-                    <a:schemeClr val="bg2"/>
-                  </a:outerShdw>
-                </a:effectLst>
-              </a14:hiddenEffects>
-            </a:ext>
-          </a:extLst>
-        </p:spPr>
-        <p:txBody>
-          <a:bodyPr vert="horz" wrap="square" lIns="91440" tIns="45720" rIns="91440" bIns="45720" numCol="1" anchor="ctr" anchorCtr="0" compatLnSpc="1">
-            <a:prstTxWarp prst="textNoShape">
-              <a:avLst/>
-            </a:prstTxWarp>
-            <a:spAutoFit/>
-          </a:bodyPr>
-          <a:lstStyle/>
-          <a:p>
-            <a:pPr marL="0" indent="0">
-              <a:buNone/>
-            </a:pPr>
-            <a:r>
-              <a:rPr lang="en-US" sz="1800" dirty="0"/>
-              <a:t>• TestAI reads SRS documents and generates test cases automatically.</a:t>
-            </a:r>
-          </a:p>
-          <a:p>
-            <a:pPr marL="0" indent="0">
-              <a:buNone/>
-            </a:pPr>
-            <a:r>
-              <a:rPr lang="en-US" sz="1800" dirty="0"/>
-              <a:t>• Uses Natural Language Processing (NLP).</a:t>
-            </a:r>
-          </a:p>
-          <a:p>
-            <a:pPr marL="0" indent="0">
-              <a:buNone/>
-            </a:pPr>
-            <a:r>
-              <a:rPr lang="en-US" sz="1800" dirty="0"/>
-              <a:t>• Reduces manual effort, improves accuracy, and speeds up testing.</a:t>
-            </a:r>
-          </a:p>
-          <a:p>
-            <a:pPr marL="0" marR="0" lvl="0" indent="0" algn="l" defTabSz="914400" rtl="0" eaLnBrk="0" fontAlgn="base" latinLnBrk="0" hangingPunct="0">
-              <a:spcBef>
-                <a:spcPct val="0"/>
-              </a:spcBef>
-              <a:spcAft>
-                <a:spcPct val="0"/>
-              </a:spcAft>
-              <a:buClrTx/>
-              <a:buSzTx/>
-              <a:buFontTx/>
-              <a:buChar char="•"/>
-              <a:tabLst/>
-            </a:pPr>
-            <a:endParaRPr kumimoji="0" lang="en-US" altLang="en-US" sz="1800" i="0" u="none" strike="noStrike" cap="none" normalizeH="0" baseline="0" dirty="0">
-              <a:ln>
-                <a:noFill/>
-              </a:ln>
-              <a:solidFill>
-                <a:schemeClr val="tx1"/>
-              </a:solidFill>
-              <a:effectLst/>
-              <a:latin typeface="Century Gothic" panose="020B0502020202020204" pitchFamily="34" charset="0"/>
-            </a:endParaRPr>
-          </a:p>
-        </p:txBody>
-      </p:sp>
-    </p:spTree>
-    <p:extLst>
-      <p:ext uri="{BB962C8B-B14F-4D97-AF65-F5344CB8AC3E}">
-        <p14:creationId xmlns:p14="http://schemas.microsoft.com/office/powerpoint/2010/main" val="2282226682"/>
-      </p:ext>
-    </p:extLst>
-  </p:cSld>
-  <p:clrMapOvr>
-    <a:masterClrMapping/>
-  </p:clrMapOvr>
-  <mc:AlternateContent xmlns:mc="http://schemas.openxmlformats.org/markup-compatibility/2006">
-    <mc:Choice xmlns:p159="http://schemas.microsoft.com/office/powerpoint/2015/09/main" Requires="p159">
-      <p:transition xmlns:p14="http://schemas.microsoft.com/office/powerpoint/2010/main" spd="slow" p14:dur="2000">
-        <p159:morph option="byObject"/>
-      </p:transition>
-    </mc:Choice>
-    <mc:Fallback>
-      <p:transition spd="slow">
-        <p:fade/>
-      </p:transition>
-    </mc:Fallback>
-  </mc:AlternateContent>
-</p:sld>
-</file>
-
-<file path=ppt/slides/slide5.xml><?xml version="1.0" encoding="utf-8"?>
-<p:sld xmlns:a="http://schemas.openxmlformats.org/drawingml/2006/main" xmlns:r="http://schemas.openxmlformats.org/officeDocument/2006/relationships" xmlns:p="http://schemas.openxmlformats.org/presentationml/2006/main">
-  <p:cSld>
-    <p:spTree>
-      <p:nvGrpSpPr>
-        <p:cNvPr id="1" name=""/>
-        <p:cNvGrpSpPr/>
-        <p:nvPr/>
-      </p:nvGrpSpPr>
-      <p:grpSpPr>
-        <a:xfrm>
-          <a:off x="0" y="0"/>
-          <a:ext cx="0" cy="0"/>
-          <a:chOff x="0" y="0"/>
-          <a:chExt cx="0" cy="0"/>
-        </a:xfrm>
-      </p:grpSpPr>
-      <p:sp>
-        <p:nvSpPr>
-          <p:cNvPr id="27" name="Title 26">
-            <a:extLst>
-              <a:ext uri="{FF2B5EF4-FFF2-40B4-BE49-F238E27FC236}">
-                <a16:creationId xmlns:a16="http://schemas.microsoft.com/office/drawing/2014/main" id="{56ACD720-5015-228A-2BFF-0FD5FA78192D}"/>
-              </a:ext>
-            </a:extLst>
-          </p:cNvPr>
-          <p:cNvSpPr>
-            <a:spLocks noGrp="1"/>
-          </p:cNvSpPr>
-          <p:nvPr>
-            <p:ph type="title"/>
-          </p:nvPr>
-        </p:nvSpPr>
-        <p:spPr/>
-        <p:txBody>
-          <a:bodyPr/>
-          <a:lstStyle/>
-          <a:p>
-            <a:r>
-              <a:rPr lang="en-US" dirty="0"/>
-              <a:t>How it works</a:t>
-            </a:r>
-          </a:p>
-        </p:txBody>
-      </p:sp>
-      <p:sp>
-        <p:nvSpPr>
-          <p:cNvPr id="28" name="Content Placeholder 27">
-            <a:extLst>
-              <a:ext uri="{FF2B5EF4-FFF2-40B4-BE49-F238E27FC236}">
-                <a16:creationId xmlns:a16="http://schemas.microsoft.com/office/drawing/2014/main" id="{93E9497C-B706-7D4B-B850-9EE7948699D0}"/>
-              </a:ext>
-            </a:extLst>
-          </p:cNvPr>
-          <p:cNvSpPr>
-            <a:spLocks noGrp="1"/>
-          </p:cNvSpPr>
-          <p:nvPr>
-            <p:ph sz="quarter" idx="13"/>
-          </p:nvPr>
-        </p:nvSpPr>
-        <p:spPr/>
-        <p:txBody>
-          <a:bodyPr/>
-          <a:lstStyle/>
-          <a:p>
-            <a:pPr marL="342900" indent="-342900">
-              <a:buClr>
-                <a:schemeClr val="tx1"/>
-              </a:buClr>
-              <a:buFont typeface="+mj-lt"/>
-              <a:buAutoNum type="arabicPeriod"/>
-            </a:pPr>
-            <a:r>
-              <a:rPr lang="en-US" dirty="0"/>
-              <a:t>Create an account</a:t>
-            </a:r>
-          </a:p>
-          <a:p>
-            <a:pPr marL="342900" indent="-342900">
-              <a:buClr>
-                <a:schemeClr val="tx1"/>
-              </a:buClr>
-              <a:buFont typeface="+mj-lt"/>
-              <a:buAutoNum type="arabicPeriod"/>
-            </a:pPr>
-            <a:r>
-              <a:rPr lang="en-US" dirty="0"/>
-              <a:t>Turn in your </a:t>
-            </a:r>
-            <a:r>
-              <a:rPr lang="en-US" sz="1800" dirty="0"/>
-              <a:t>SRS document</a:t>
-            </a:r>
-          </a:p>
-          <a:p>
-            <a:pPr marL="0" indent="0">
-              <a:lnSpc>
-                <a:spcPct val="150000"/>
-              </a:lnSpc>
-              <a:buNone/>
-            </a:pPr>
-            <a:r>
-              <a:rPr lang="en-US" sz="1800" dirty="0"/>
-              <a:t>3. AI extracts key requirements</a:t>
-            </a:r>
-          </a:p>
-          <a:p>
-            <a:pPr marL="0" indent="0">
-              <a:lnSpc>
-                <a:spcPct val="150000"/>
-              </a:lnSpc>
-              <a:buNone/>
-            </a:pPr>
-            <a:r>
-              <a:rPr lang="en-US" sz="1800" dirty="0"/>
-              <a:t>4. AI generates functional &amp; non-functional test cases</a:t>
-            </a:r>
-          </a:p>
-          <a:p>
-            <a:pPr marL="0" indent="0">
-              <a:lnSpc>
-                <a:spcPct val="150000"/>
-              </a:lnSpc>
-              <a:buNone/>
-            </a:pPr>
-            <a:r>
-              <a:rPr lang="en-US" dirty="0"/>
-              <a:t>5</a:t>
-            </a:r>
-            <a:r>
-              <a:rPr lang="en-US" sz="1800" dirty="0"/>
-              <a:t>. Output: Test cases (manual &amp; automated formats)</a:t>
-            </a:r>
-          </a:p>
-          <a:p>
-            <a:pPr marL="0" indent="0">
-              <a:buClr>
-                <a:schemeClr val="tx1"/>
-              </a:buClr>
-              <a:buNone/>
-            </a:pPr>
-            <a:endParaRPr lang="en-US" sz="1800" dirty="0"/>
-          </a:p>
-        </p:txBody>
-      </p:sp>
-      <p:sp>
-        <p:nvSpPr>
-          <p:cNvPr id="2" name="Slide Number Placeholder 1">
-            <a:extLst>
-              <a:ext uri="{FF2B5EF4-FFF2-40B4-BE49-F238E27FC236}">
-                <a16:creationId xmlns:a16="http://schemas.microsoft.com/office/drawing/2014/main" id="{B0267D56-A7FC-87CC-3F7B-61E69A7BEF34}"/>
-              </a:ext>
-            </a:extLst>
-          </p:cNvPr>
-          <p:cNvSpPr>
-            <a:spLocks noGrp="1"/>
-          </p:cNvSpPr>
-          <p:nvPr>
-            <p:ph type="sldNum" sz="quarter" idx="12"/>
-          </p:nvPr>
-        </p:nvSpPr>
-        <p:spPr/>
-        <p:txBody>
-          <a:bodyPr/>
-          <a:lstStyle/>
-          <a:p>
-            <a:fld id="{2A013F82-EE5E-44EE-A61D-E31C6657F26F}" type="slidenum">
-              <a:rPr lang="en-US" smtClean="0"/>
-              <a:pPr/>
-              <a:t>5</a:t>
+              <a:t>1</a:t>
             </a:fld>
             <a:endParaRPr lang="en-US" dirty="0"/>
           </a:p>
@@ -20213,21 +19347,21 @@
     </p:spTree>
     <p:extLst>
       <p:ext uri="{BB962C8B-B14F-4D97-AF65-F5344CB8AC3E}">
-        <p14:creationId xmlns:p14="http://schemas.microsoft.com/office/powerpoint/2010/main" val="3718853555"/>
+        <p14:creationId xmlns:p14="http://schemas.microsoft.com/office/powerpoint/2010/main" val="2632591304"/>
       </p:ext>
     </p:extLst>
   </p:cSld>
   <p:clrMapOvr>
     <a:masterClrMapping/>
   </p:clrMapOvr>
-  <mc:AlternateContent xmlns:mc="http://schemas.openxmlformats.org/markup-compatibility/2006">
-    <mc:Choice xmlns:p159="http://schemas.microsoft.com/office/powerpoint/2015/09/main" Requires="p159">
-      <p:transition xmlns:p14="http://schemas.microsoft.com/office/powerpoint/2010/main" spd="slow" p14:dur="2000">
-        <p159:morph option="byObject"/>
+  <mc:AlternateContent xmlns:mc="http://schemas.openxmlformats.org/markup-compatibility/2006" xmlns:p14="http://schemas.microsoft.com/office/powerpoint/2010/main">
+    <mc:Choice Requires="p14">
+      <p:transition spd="med" p14:dur="700">
+        <p:fade/>
       </p:transition>
     </mc:Choice>
-    <mc:Fallback>
-      <p:transition spd="slow">
+    <mc:Fallback xmlns="">
+      <p:transition spd="med">
         <p:fade/>
       </p:transition>
     </mc:Fallback>
@@ -20235,403 +19369,7 @@
 </p:sld>
 </file>
 
-<file path=ppt/slides/slide6.xml><?xml version="1.0" encoding="utf-8"?>
-<p:sld xmlns:a="http://schemas.openxmlformats.org/drawingml/2006/main" xmlns:r="http://schemas.openxmlformats.org/officeDocument/2006/relationships" xmlns:p="http://schemas.openxmlformats.org/presentationml/2006/main">
-  <p:cSld>
-    <p:spTree>
-      <p:nvGrpSpPr>
-        <p:cNvPr id="1" name=""/>
-        <p:cNvGrpSpPr/>
-        <p:nvPr/>
-      </p:nvGrpSpPr>
-      <p:grpSpPr>
-        <a:xfrm>
-          <a:off x="0" y="0"/>
-          <a:ext cx="0" cy="0"/>
-          <a:chOff x="0" y="0"/>
-          <a:chExt cx="0" cy="0"/>
-        </a:xfrm>
-      </p:grpSpPr>
-      <p:sp>
-        <p:nvSpPr>
-          <p:cNvPr id="27" name="Title 26">
-            <a:extLst>
-              <a:ext uri="{FF2B5EF4-FFF2-40B4-BE49-F238E27FC236}">
-                <a16:creationId xmlns:a16="http://schemas.microsoft.com/office/drawing/2014/main" id="{8B656394-28CD-07EB-472E-6BB6010ADB48}"/>
-              </a:ext>
-            </a:extLst>
-          </p:cNvPr>
-          <p:cNvSpPr>
-            <a:spLocks noGrp="1"/>
-          </p:cNvSpPr>
-          <p:nvPr>
-            <p:ph type="title"/>
-          </p:nvPr>
-        </p:nvSpPr>
-        <p:spPr>
-          <a:xfrm>
-            <a:off x="457200" y="3324415"/>
-            <a:ext cx="5768138" cy="2286000"/>
-          </a:xfrm>
-        </p:spPr>
-        <p:txBody>
-          <a:bodyPr/>
-          <a:lstStyle/>
-          <a:p>
-            <a:r>
-              <a:rPr lang="en-US" dirty="0"/>
-              <a:t>Key features</a:t>
-            </a:r>
-          </a:p>
-        </p:txBody>
-      </p:sp>
-      <p:sp>
-        <p:nvSpPr>
-          <p:cNvPr id="28" name="Content Placeholder 27">
-            <a:extLst>
-              <a:ext uri="{FF2B5EF4-FFF2-40B4-BE49-F238E27FC236}">
-                <a16:creationId xmlns:a16="http://schemas.microsoft.com/office/drawing/2014/main" id="{2175A07C-673D-4C4F-44DB-ADB7429995E2}"/>
-              </a:ext>
-            </a:extLst>
-          </p:cNvPr>
-          <p:cNvSpPr>
-            <a:spLocks noGrp="1"/>
-          </p:cNvSpPr>
-          <p:nvPr>
-            <p:ph sz="quarter" idx="13"/>
-          </p:nvPr>
-        </p:nvSpPr>
-        <p:spPr>
-          <a:xfrm>
-            <a:off x="6775704" y="990600"/>
-            <a:ext cx="4576508" cy="4938713"/>
-          </a:xfrm>
-        </p:spPr>
-        <p:txBody>
-          <a:bodyPr/>
-          <a:lstStyle/>
-          <a:p>
-            <a:pPr>
-              <a:lnSpc>
-                <a:spcPct val="100000"/>
-              </a:lnSpc>
-            </a:pPr>
-            <a:r>
-              <a:rPr lang="en-IN" sz="1800" dirty="0"/>
-              <a:t>Reads and understands SRS documents</a:t>
-            </a:r>
-          </a:p>
-          <a:p>
-            <a:pPr>
-              <a:lnSpc>
-                <a:spcPct val="100000"/>
-              </a:lnSpc>
-            </a:pPr>
-            <a:r>
-              <a:rPr lang="en-IN" sz="1800" dirty="0"/>
-              <a:t>Generates functional &amp; non-functional test cases</a:t>
-            </a:r>
-          </a:p>
-          <a:p>
-            <a:pPr>
-              <a:lnSpc>
-                <a:spcPct val="100000"/>
-              </a:lnSpc>
-            </a:pPr>
-            <a:r>
-              <a:rPr lang="en-IN" sz="1800" dirty="0"/>
-              <a:t>Supports manual and automated testing</a:t>
-            </a:r>
-          </a:p>
-          <a:p>
-            <a:pPr>
-              <a:lnSpc>
-                <a:spcPct val="100000"/>
-              </a:lnSpc>
-            </a:pPr>
-            <a:r>
-              <a:rPr lang="en-IN" sz="1800" dirty="0"/>
-              <a:t>Reduces time &amp; human errors</a:t>
-            </a:r>
-          </a:p>
-          <a:p>
-            <a:pPr>
-              <a:lnSpc>
-                <a:spcPct val="100000"/>
-              </a:lnSpc>
-            </a:pPr>
-            <a:r>
-              <a:rPr lang="en-IN" dirty="0"/>
-              <a:t>Lets you download the test cases in the form of a text file. </a:t>
-            </a:r>
-            <a:endParaRPr lang="en-IN" sz="1800" dirty="0"/>
-          </a:p>
-          <a:p>
-            <a:pPr>
-              <a:lnSpc>
-                <a:spcPct val="100000"/>
-              </a:lnSpc>
-            </a:pPr>
-            <a:endParaRPr lang="en-IN" sz="1800" dirty="0"/>
-          </a:p>
-          <a:p>
-            <a:endParaRPr lang="en-US" dirty="0">
-              <a:latin typeface="Century Gothic" panose="020B0502020202020204" pitchFamily="34" charset="0"/>
-            </a:endParaRPr>
-          </a:p>
-        </p:txBody>
-      </p:sp>
-      <p:sp>
-        <p:nvSpPr>
-          <p:cNvPr id="2" name="Slide Number Placeholder 1">
-            <a:extLst>
-              <a:ext uri="{FF2B5EF4-FFF2-40B4-BE49-F238E27FC236}">
-                <a16:creationId xmlns:a16="http://schemas.microsoft.com/office/drawing/2014/main" id="{B77897C4-19E2-DF97-626D-4033C7D29E2F}"/>
-              </a:ext>
-            </a:extLst>
-          </p:cNvPr>
-          <p:cNvSpPr>
-            <a:spLocks noGrp="1"/>
-          </p:cNvSpPr>
-          <p:nvPr>
-            <p:ph type="sldNum" sz="quarter" idx="12"/>
-          </p:nvPr>
-        </p:nvSpPr>
-        <p:spPr/>
-        <p:txBody>
-          <a:bodyPr/>
-          <a:lstStyle/>
-          <a:p>
-            <a:fld id="{2A013F82-EE5E-44EE-A61D-E31C6657F26F}" type="slidenum">
-              <a:rPr lang="en-US" smtClean="0"/>
-              <a:pPr/>
-              <a:t>6</a:t>
-            </a:fld>
-            <a:endParaRPr lang="en-US" dirty="0"/>
-          </a:p>
-        </p:txBody>
-      </p:sp>
-    </p:spTree>
-    <p:extLst>
-      <p:ext uri="{BB962C8B-B14F-4D97-AF65-F5344CB8AC3E}">
-        <p14:creationId xmlns:p14="http://schemas.microsoft.com/office/powerpoint/2010/main" val="2817226324"/>
-      </p:ext>
-    </p:extLst>
-  </p:cSld>
-  <p:clrMapOvr>
-    <a:masterClrMapping/>
-  </p:clrMapOvr>
-  <mc:AlternateContent xmlns:mc="http://schemas.openxmlformats.org/markup-compatibility/2006">
-    <mc:Choice xmlns:p159="http://schemas.microsoft.com/office/powerpoint/2015/09/main" Requires="p159">
-      <p:transition xmlns:p14="http://schemas.microsoft.com/office/powerpoint/2010/main" spd="slow" p14:dur="2000">
-        <p159:morph option="byObject"/>
-      </p:transition>
-    </mc:Choice>
-    <mc:Fallback>
-      <p:transition spd="slow">
-        <p:fade/>
-      </p:transition>
-    </mc:Fallback>
-  </mc:AlternateContent>
-</p:sld>
-</file>
-
-<file path=ppt/slides/slide7.xml><?xml version="1.0" encoding="utf-8"?>
-<p:sld xmlns:a="http://schemas.openxmlformats.org/drawingml/2006/main" xmlns:r="http://schemas.openxmlformats.org/officeDocument/2006/relationships" xmlns:p="http://schemas.openxmlformats.org/presentationml/2006/main">
-  <p:cSld>
-    <p:spTree>
-      <p:nvGrpSpPr>
-        <p:cNvPr id="1" name=""/>
-        <p:cNvGrpSpPr/>
-        <p:nvPr/>
-      </p:nvGrpSpPr>
-      <p:grpSpPr>
-        <a:xfrm>
-          <a:off x="0" y="0"/>
-          <a:ext cx="0" cy="0"/>
-          <a:chOff x="0" y="0"/>
-          <a:chExt cx="0" cy="0"/>
-        </a:xfrm>
-      </p:grpSpPr>
-      <p:sp>
-        <p:nvSpPr>
-          <p:cNvPr id="2" name="Title 1">
-            <a:extLst>
-              <a:ext uri="{FF2B5EF4-FFF2-40B4-BE49-F238E27FC236}">
-                <a16:creationId xmlns:a16="http://schemas.microsoft.com/office/drawing/2014/main" id="{0FBAD528-C93C-7AD4-199F-708A7E56ED65}"/>
-              </a:ext>
-            </a:extLst>
-          </p:cNvPr>
-          <p:cNvSpPr>
-            <a:spLocks noGrp="1"/>
-          </p:cNvSpPr>
-          <p:nvPr>
-            <p:ph type="title"/>
-          </p:nvPr>
-        </p:nvSpPr>
-        <p:spPr/>
-        <p:txBody>
-          <a:bodyPr/>
-          <a:lstStyle/>
-          <a:p>
-            <a:r>
-              <a:rPr lang="en-IN" dirty="0"/>
-              <a:t>Technologies used</a:t>
-            </a:r>
-          </a:p>
-        </p:txBody>
-      </p:sp>
-      <p:sp>
-        <p:nvSpPr>
-          <p:cNvPr id="3" name="Content Placeholder 2">
-            <a:extLst>
-              <a:ext uri="{FF2B5EF4-FFF2-40B4-BE49-F238E27FC236}">
-                <a16:creationId xmlns:a16="http://schemas.microsoft.com/office/drawing/2014/main" id="{EC3FAAF0-0B95-72B6-BF61-2384BD6F78EB}"/>
-              </a:ext>
-            </a:extLst>
-          </p:cNvPr>
-          <p:cNvSpPr>
-            <a:spLocks noGrp="1"/>
-          </p:cNvSpPr>
-          <p:nvPr>
-            <p:ph sz="quarter" idx="13"/>
-          </p:nvPr>
-        </p:nvSpPr>
-        <p:spPr/>
-        <p:txBody>
-          <a:bodyPr/>
-          <a:lstStyle/>
-          <a:p>
-            <a:endParaRPr lang="en-IN" dirty="0"/>
-          </a:p>
-        </p:txBody>
-      </p:sp>
-      <p:sp>
-        <p:nvSpPr>
-          <p:cNvPr id="4" name="Slide Number Placeholder 3">
-            <a:extLst>
-              <a:ext uri="{FF2B5EF4-FFF2-40B4-BE49-F238E27FC236}">
-                <a16:creationId xmlns:a16="http://schemas.microsoft.com/office/drawing/2014/main" id="{4ECA736C-7630-89E5-7C67-4DD5F0A3BE56}"/>
-              </a:ext>
-            </a:extLst>
-          </p:cNvPr>
-          <p:cNvSpPr>
-            <a:spLocks noGrp="1"/>
-          </p:cNvSpPr>
-          <p:nvPr>
-            <p:ph type="sldNum" sz="quarter" idx="12"/>
-          </p:nvPr>
-        </p:nvSpPr>
-        <p:spPr/>
-        <p:txBody>
-          <a:bodyPr/>
-          <a:lstStyle/>
-          <a:p>
-            <a:fld id="{2A013F82-EE5E-44EE-A61D-E31C6657F26F}" type="slidenum">
-              <a:rPr lang="en-US" smtClean="0"/>
-              <a:pPr/>
-              <a:t>7</a:t>
-            </a:fld>
-            <a:endParaRPr lang="en-US" dirty="0"/>
-          </a:p>
-        </p:txBody>
-      </p:sp>
-    </p:spTree>
-    <p:extLst>
-      <p:ext uri="{BB962C8B-B14F-4D97-AF65-F5344CB8AC3E}">
-        <p14:creationId xmlns:p14="http://schemas.microsoft.com/office/powerpoint/2010/main" val="235229270"/>
-      </p:ext>
-    </p:extLst>
-  </p:cSld>
-  <p:clrMapOvr>
-    <a:masterClrMapping/>
-  </p:clrMapOvr>
-  <mc:AlternateContent xmlns:mc="http://schemas.openxmlformats.org/markup-compatibility/2006">
-    <mc:Choice xmlns:p159="http://schemas.microsoft.com/office/powerpoint/2015/09/main" Requires="p159">
-      <p:transition xmlns:p14="http://schemas.microsoft.com/office/powerpoint/2010/main" spd="slow" p14:dur="2000">
-        <p159:morph option="byObject"/>
-      </p:transition>
-    </mc:Choice>
-    <mc:Fallback>
-      <p:transition spd="slow">
-        <p:fade/>
-      </p:transition>
-    </mc:Fallback>
-  </mc:AlternateContent>
-</p:sld>
-</file>
-
-<file path=ppt/slides/slide8.xml><?xml version="1.0" encoding="utf-8"?>
-<p:sld xmlns:a="http://schemas.openxmlformats.org/drawingml/2006/main" xmlns:r="http://schemas.openxmlformats.org/officeDocument/2006/relationships" xmlns:p="http://schemas.openxmlformats.org/presentationml/2006/main">
-  <p:cSld>
-    <p:spTree>
-      <p:nvGrpSpPr>
-        <p:cNvPr id="1" name=""/>
-        <p:cNvGrpSpPr/>
-        <p:nvPr/>
-      </p:nvGrpSpPr>
-      <p:grpSpPr>
-        <a:xfrm>
-          <a:off x="0" y="0"/>
-          <a:ext cx="0" cy="0"/>
-          <a:chOff x="0" y="0"/>
-          <a:chExt cx="0" cy="0"/>
-        </a:xfrm>
-      </p:grpSpPr>
-      <p:sp>
-        <p:nvSpPr>
-          <p:cNvPr id="2" name="Title 1">
-            <a:extLst>
-              <a:ext uri="{FF2B5EF4-FFF2-40B4-BE49-F238E27FC236}">
-                <a16:creationId xmlns:a16="http://schemas.microsoft.com/office/drawing/2014/main" id="{8F1ACBF8-031E-9395-9AF8-D8310EFCF27E}"/>
-              </a:ext>
-            </a:extLst>
-          </p:cNvPr>
-          <p:cNvSpPr>
-            <a:spLocks noGrp="1"/>
-          </p:cNvSpPr>
-          <p:nvPr>
-            <p:ph type="title"/>
-          </p:nvPr>
-        </p:nvSpPr>
-        <p:spPr/>
-        <p:txBody>
-          <a:bodyPr/>
-          <a:lstStyle/>
-          <a:p>
-            <a:r>
-              <a:rPr lang="en-IN" dirty="0"/>
-              <a:t>DO WE REALLY NEED THIS?</a:t>
-            </a:r>
-          </a:p>
-        </p:txBody>
-      </p:sp>
-    </p:spTree>
-    <p:extLst>
-      <p:ext uri="{BB962C8B-B14F-4D97-AF65-F5344CB8AC3E}">
-        <p14:creationId xmlns:p14="http://schemas.microsoft.com/office/powerpoint/2010/main" val="2245734788"/>
-      </p:ext>
-    </p:extLst>
-  </p:cSld>
-  <p:clrMapOvr>
-    <a:masterClrMapping/>
-  </p:clrMapOvr>
-  <mc:AlternateContent xmlns:mc="http://schemas.openxmlformats.org/markup-compatibility/2006">
-    <mc:Choice xmlns:p159="http://schemas.microsoft.com/office/powerpoint/2015/09/main" Requires="p159">
-      <p:transition xmlns:p14="http://schemas.microsoft.com/office/powerpoint/2010/main" spd="slow" p14:dur="2000">
-        <p159:morph option="byObject"/>
-      </p:transition>
-    </mc:Choice>
-    <mc:Fallback>
-      <p:transition spd="slow">
-        <p:fade/>
-      </p:transition>
-    </mc:Fallback>
-  </mc:AlternateContent>
-</p:sld>
-</file>
-
-<file path=ppt/slides/slide9.xml><?xml version="1.0" encoding="utf-8"?>
+<file path=ppt/slides/slide10.xml><?xml version="1.0" encoding="utf-8"?>
 <p:sld xmlns:a="http://schemas.openxmlformats.org/drawingml/2006/main" xmlns:r="http://schemas.openxmlformats.org/officeDocument/2006/relationships" xmlns:p="http://schemas.openxmlformats.org/presentationml/2006/main">
   <p:cSld>
     <p:spTree>
@@ -20672,7 +19410,7 @@
             <a:fld id="{2A013F82-EE5E-44EE-A61D-E31C6657F26F}" type="slidenum">
               <a:rPr lang="en-US" smtClean="0"/>
               <a:pPr/>
-              <a:t>9</a:t>
+              <a:t>10</a:t>
             </a:fld>
             <a:endParaRPr lang="en-US" dirty="0"/>
           </a:p>
@@ -21045,13 +19783,1619 @@
   <p:clrMapOvr>
     <a:masterClrMapping/>
   </p:clrMapOvr>
-  <mc:AlternateContent xmlns:mc="http://schemas.openxmlformats.org/markup-compatibility/2006">
-    <mc:Choice xmlns:p159="http://schemas.microsoft.com/office/powerpoint/2015/09/main" Requires="p159">
+  <mc:AlternateContent xmlns:mc="http://schemas.openxmlformats.org/markup-compatibility/2006" xmlns:p159="http://schemas.microsoft.com/office/powerpoint/2015/09/main">
+    <mc:Choice Requires="p159">
       <p:transition xmlns:p14="http://schemas.microsoft.com/office/powerpoint/2010/main" spd="slow" p14:dur="2000">
         <p159:morph option="byObject"/>
       </p:transition>
     </mc:Choice>
-    <mc:Fallback>
+    <mc:Fallback xmlns="">
+      <p:transition spd="slow">
+        <p:fade/>
+      </p:transition>
+    </mc:Fallback>
+  </mc:AlternateContent>
+</p:sld>
+</file>
+
+<file path=ppt/slides/slide11.xml><?xml version="1.0" encoding="utf-8"?>
+<p:sld xmlns:a="http://schemas.openxmlformats.org/drawingml/2006/main" xmlns:r="http://schemas.openxmlformats.org/officeDocument/2006/relationships" xmlns:p="http://schemas.openxmlformats.org/presentationml/2006/main">
+  <p:cSld>
+    <p:spTree>
+      <p:nvGrpSpPr>
+        <p:cNvPr id="1" name=""/>
+        <p:cNvGrpSpPr/>
+        <p:nvPr/>
+      </p:nvGrpSpPr>
+      <p:grpSpPr>
+        <a:xfrm>
+          <a:off x="0" y="0"/>
+          <a:ext cx="0" cy="0"/>
+          <a:chOff x="0" y="0"/>
+          <a:chExt cx="0" cy="0"/>
+        </a:xfrm>
+      </p:grpSpPr>
+      <p:sp>
+        <p:nvSpPr>
+          <p:cNvPr id="2" name="Title 1">
+            <a:extLst>
+              <a:ext uri="{FF2B5EF4-FFF2-40B4-BE49-F238E27FC236}">
+                <a16:creationId xmlns:a16="http://schemas.microsoft.com/office/drawing/2014/main" id="{60A7EBBF-BFB3-0697-CDBD-4EDDC1F4A4D1}"/>
+              </a:ext>
+            </a:extLst>
+          </p:cNvPr>
+          <p:cNvSpPr>
+            <a:spLocks noGrp="1"/>
+          </p:cNvSpPr>
+          <p:nvPr>
+            <p:ph type="title"/>
+          </p:nvPr>
+        </p:nvSpPr>
+        <p:spPr/>
+        <p:txBody>
+          <a:bodyPr/>
+          <a:lstStyle/>
+          <a:p>
+            <a:r>
+              <a:rPr lang="en-IN" dirty="0"/>
+              <a:t>Thank you.</a:t>
+            </a:r>
+          </a:p>
+        </p:txBody>
+      </p:sp>
+    </p:spTree>
+    <p:extLst>
+      <p:ext uri="{BB962C8B-B14F-4D97-AF65-F5344CB8AC3E}">
+        <p14:creationId xmlns:p14="http://schemas.microsoft.com/office/powerpoint/2010/main" val="2093013205"/>
+      </p:ext>
+    </p:extLst>
+  </p:cSld>
+  <p:clrMapOvr>
+    <a:masterClrMapping/>
+  </p:clrMapOvr>
+  <mc:AlternateContent xmlns:mc="http://schemas.openxmlformats.org/markup-compatibility/2006" xmlns:p159="http://schemas.microsoft.com/office/powerpoint/2015/09/main">
+    <mc:Choice Requires="p159">
+      <p:transition xmlns:p14="http://schemas.microsoft.com/office/powerpoint/2010/main" spd="slow" p14:dur="2000">
+        <p159:morph option="byObject"/>
+      </p:transition>
+    </mc:Choice>
+    <mc:Fallback xmlns="">
+      <p:transition spd="slow">
+        <p:fade/>
+      </p:transition>
+    </mc:Fallback>
+  </mc:AlternateContent>
+</p:sld>
+</file>
+
+<file path=ppt/slides/slide2.xml><?xml version="1.0" encoding="utf-8"?>
+<p:sld xmlns:a="http://schemas.openxmlformats.org/drawingml/2006/main" xmlns:r="http://schemas.openxmlformats.org/officeDocument/2006/relationships" xmlns:p="http://schemas.openxmlformats.org/presentationml/2006/main">
+  <p:cSld>
+    <p:spTree>
+      <p:nvGrpSpPr>
+        <p:cNvPr id="1" name=""/>
+        <p:cNvGrpSpPr/>
+        <p:nvPr/>
+      </p:nvGrpSpPr>
+      <p:grpSpPr>
+        <a:xfrm>
+          <a:off x="0" y="0"/>
+          <a:ext cx="0" cy="0"/>
+          <a:chOff x="0" y="0"/>
+          <a:chExt cx="0" cy="0"/>
+        </a:xfrm>
+      </p:grpSpPr>
+      <p:sp>
+        <p:nvSpPr>
+          <p:cNvPr id="3" name="Subtitle 2"/>
+          <p:cNvSpPr>
+            <a:spLocks noGrp="1"/>
+          </p:cNvSpPr>
+          <p:nvPr>
+            <p:ph type="subTitle" idx="1"/>
+          </p:nvPr>
+        </p:nvSpPr>
+        <p:spPr>
+          <a:xfrm>
+            <a:off x="3803904" y="3826764"/>
+            <a:ext cx="8001000" cy="1033272"/>
+          </a:xfrm>
+        </p:spPr>
+        <p:txBody>
+          <a:bodyPr vert="horz" lIns="91440" tIns="45720" rIns="91440" bIns="45720" rtlCol="0" anchor="t">
+            <a:normAutofit fontScale="77500" lnSpcReduction="20000"/>
+          </a:bodyPr>
+          <a:lstStyle/>
+          <a:p>
+            <a:pPr>
+              <a:lnSpc>
+                <a:spcPct val="150000"/>
+              </a:lnSpc>
+            </a:pPr>
+            <a:r>
+              <a:rPr lang="en-US" sz="3200" b="0" dirty="0"/>
+              <a:t>TestAI: AI-Powered Test Case Generation</a:t>
+            </a:r>
+          </a:p>
+        </p:txBody>
+      </p:sp>
+      <p:sp>
+        <p:nvSpPr>
+          <p:cNvPr id="4" name="Rectangle 1">
+            <a:extLst>
+              <a:ext uri="{FF2B5EF4-FFF2-40B4-BE49-F238E27FC236}">
+                <a16:creationId xmlns:a16="http://schemas.microsoft.com/office/drawing/2014/main" id="{F6B8F987-1092-4586-FAE2-9A0A55D1C58E}"/>
+              </a:ext>
+            </a:extLst>
+          </p:cNvPr>
+          <p:cNvSpPr>
+            <a:spLocks noGrp="1" noChangeArrowheads="1"/>
+          </p:cNvSpPr>
+          <p:nvPr>
+            <p:ph type="title"/>
+          </p:nvPr>
+        </p:nvSpPr>
+        <p:spPr bwMode="auto">
+          <a:xfrm>
+            <a:off x="3803651" y="2625279"/>
+            <a:ext cx="7396162" cy="1077218"/>
+          </a:xfrm>
+          <a:prstGeom prst="rect">
+            <a:avLst/>
+          </a:prstGeom>
+          <a:noFill/>
+          <a:ln>
+            <a:noFill/>
+          </a:ln>
+          <a:effectLst/>
+          <a:extLst>
+            <a:ext uri="{909E8E84-426E-40DD-AFC4-6F175D3DCCD1}">
+              <a14:hiddenFill xmlns:a14="http://schemas.microsoft.com/office/drawing/2010/main">
+                <a:solidFill>
+                  <a:schemeClr val="accent1"/>
+                </a:solidFill>
+              </a14:hiddenFill>
+            </a:ext>
+            <a:ext uri="{91240B29-F687-4F45-9708-019B960494DF}">
+              <a14:hiddenLine xmlns:a14="http://schemas.microsoft.com/office/drawing/2010/main" w="9525">
+                <a:solidFill>
+                  <a:schemeClr val="tx1"/>
+                </a:solidFill>
+                <a:miter lim="800000"/>
+                <a:headEnd/>
+                <a:tailEnd/>
+              </a14:hiddenLine>
+            </a:ext>
+            <a:ext uri="{AF507438-7753-43E0-B8FC-AC1667EBCBE1}">
+              <a14:hiddenEffects xmlns:a14="http://schemas.microsoft.com/office/drawing/2010/main">
+                <a:effectLst>
+                  <a:outerShdw dist="35921" dir="2700000" algn="ctr" rotWithShape="0">
+                    <a:schemeClr val="bg2"/>
+                  </a:outerShdw>
+                </a:effectLst>
+              </a14:hiddenEffects>
+            </a:ext>
+          </a:extLst>
+        </p:spPr>
+        <p:txBody>
+          <a:bodyPr vert="horz" wrap="square" lIns="91440" tIns="45720" rIns="91440" bIns="45720" numCol="1" anchor="ctr" anchorCtr="0" compatLnSpc="1">
+            <a:prstTxWarp prst="textNoShape">
+              <a:avLst/>
+            </a:prstTxWarp>
+            <a:spAutoFit/>
+          </a:bodyPr>
+          <a:lstStyle/>
+          <a:p>
+            <a:pPr marL="0" marR="0" lvl="0" indent="0" algn="l" defTabSz="914400" rtl="0" eaLnBrk="0" fontAlgn="base" latinLnBrk="0" hangingPunct="0">
+              <a:lnSpc>
+                <a:spcPct val="100000"/>
+              </a:lnSpc>
+              <a:spcBef>
+                <a:spcPct val="0"/>
+              </a:spcBef>
+              <a:spcAft>
+                <a:spcPct val="0"/>
+              </a:spcAft>
+              <a:buClrTx/>
+              <a:buSzTx/>
+              <a:buFontTx/>
+              <a:buNone/>
+              <a:tabLst/>
+            </a:pPr>
+            <a:r>
+              <a:rPr kumimoji="0" lang="en-US" altLang="en-US" sz="3200" b="1" i="0" u="none" strike="noStrike" cap="none" normalizeH="0" baseline="0" dirty="0">
+                <a:ln>
+                  <a:noFill/>
+                </a:ln>
+                <a:solidFill>
+                  <a:schemeClr val="tx1"/>
+                </a:solidFill>
+                <a:effectLst/>
+              </a:rPr>
+              <a:t>"From SRS to Test Cases—Automated, Accurate, Effortless."</a:t>
+            </a:r>
+            <a:r>
+              <a:rPr kumimoji="0" lang="en-US" altLang="en-US" sz="3200" b="0" i="0" u="none" strike="noStrike" cap="none" normalizeH="0" baseline="0" dirty="0">
+                <a:ln>
+                  <a:noFill/>
+                </a:ln>
+                <a:solidFill>
+                  <a:schemeClr val="tx1"/>
+                </a:solidFill>
+                <a:effectLst/>
+              </a:rPr>
+              <a:t> </a:t>
+            </a:r>
+          </a:p>
+        </p:txBody>
+      </p:sp>
+    </p:spTree>
+    <p:extLst>
+      <p:ext uri="{BB962C8B-B14F-4D97-AF65-F5344CB8AC3E}">
+        <p14:creationId xmlns:p14="http://schemas.microsoft.com/office/powerpoint/2010/main" val="263174755"/>
+      </p:ext>
+    </p:extLst>
+  </p:cSld>
+  <p:clrMapOvr>
+    <a:masterClrMapping/>
+  </p:clrMapOvr>
+  <mc:AlternateContent xmlns:mc="http://schemas.openxmlformats.org/markup-compatibility/2006" xmlns:p159="http://schemas.microsoft.com/office/powerpoint/2015/09/main">
+    <mc:Choice Requires="p159">
+      <p:transition xmlns:p14="http://schemas.microsoft.com/office/powerpoint/2010/main" spd="slow" p14:dur="2000">
+        <p159:morph option="byObject"/>
+      </p:transition>
+    </mc:Choice>
+    <mc:Fallback xmlns="">
+      <p:transition spd="slow">
+        <p:fade/>
+      </p:transition>
+    </mc:Fallback>
+  </mc:AlternateContent>
+</p:sld>
+</file>
+
+<file path=ppt/slides/slide3.xml><?xml version="1.0" encoding="utf-8"?>
+<p:sld xmlns:a="http://schemas.openxmlformats.org/drawingml/2006/main" xmlns:r="http://schemas.openxmlformats.org/officeDocument/2006/relationships" xmlns:p="http://schemas.openxmlformats.org/presentationml/2006/main">
+  <p:cSld>
+    <p:spTree>
+      <p:nvGrpSpPr>
+        <p:cNvPr id="1" name=""/>
+        <p:cNvGrpSpPr/>
+        <p:nvPr/>
+      </p:nvGrpSpPr>
+      <p:grpSpPr>
+        <a:xfrm>
+          <a:off x="0" y="0"/>
+          <a:ext cx="0" cy="0"/>
+          <a:chOff x="0" y="0"/>
+          <a:chExt cx="0" cy="0"/>
+        </a:xfrm>
+      </p:grpSpPr>
+      <p:sp>
+        <p:nvSpPr>
+          <p:cNvPr id="2" name="Slide Number Placeholder 1">
+            <a:extLst>
+              <a:ext uri="{FF2B5EF4-FFF2-40B4-BE49-F238E27FC236}">
+                <a16:creationId xmlns:a16="http://schemas.microsoft.com/office/drawing/2014/main" id="{9E020C5F-7F4B-E4D5-9419-7E7F825C066B}"/>
+              </a:ext>
+            </a:extLst>
+          </p:cNvPr>
+          <p:cNvSpPr>
+            <a:spLocks noGrp="1"/>
+          </p:cNvSpPr>
+          <p:nvPr>
+            <p:ph type="sldNum" sz="quarter" idx="12"/>
+          </p:nvPr>
+        </p:nvSpPr>
+        <p:spPr/>
+        <p:txBody>
+          <a:bodyPr/>
+          <a:lstStyle/>
+          <a:p>
+            <a:fld id="{2A013F82-EE5E-44EE-A61D-E31C6657F26F}" type="slidenum">
+              <a:rPr lang="en-US" smtClean="0"/>
+              <a:pPr/>
+              <a:t>3</a:t>
+            </a:fld>
+            <a:endParaRPr lang="en-US" dirty="0"/>
+          </a:p>
+        </p:txBody>
+      </p:sp>
+      <p:pic>
+        <p:nvPicPr>
+          <p:cNvPr id="8" name="Content Placeholder 7">
+            <a:extLst>
+              <a:ext uri="{FF2B5EF4-FFF2-40B4-BE49-F238E27FC236}">
+                <a16:creationId xmlns:a16="http://schemas.microsoft.com/office/drawing/2014/main" id="{E3BEFF28-2203-9F29-A72F-D57D74ECE289}"/>
+              </a:ext>
+            </a:extLst>
+          </p:cNvPr>
+          <p:cNvPicPr>
+            <a:picLocks noGrp="1" noChangeAspect="1"/>
+          </p:cNvPicPr>
+          <p:nvPr>
+            <p:ph sz="quarter" idx="13"/>
+          </p:nvPr>
+        </p:nvPicPr>
+        <p:blipFill>
+          <a:blip r:embed="rId3"/>
+          <a:stretch>
+            <a:fillRect/>
+          </a:stretch>
+        </p:blipFill>
+        <p:spPr>
+          <a:xfrm>
+            <a:off x="6775450" y="1171575"/>
+            <a:ext cx="4576763" cy="4576763"/>
+          </a:xfrm>
+        </p:spPr>
+      </p:pic>
+      <p:sp>
+        <p:nvSpPr>
+          <p:cNvPr id="3" name="Rectangle 1">
+            <a:extLst>
+              <a:ext uri="{FF2B5EF4-FFF2-40B4-BE49-F238E27FC236}">
+                <a16:creationId xmlns:a16="http://schemas.microsoft.com/office/drawing/2014/main" id="{5C3746D7-CA06-CA6B-5A39-0842C80E6471}"/>
+              </a:ext>
+            </a:extLst>
+          </p:cNvPr>
+          <p:cNvSpPr>
+            <a:spLocks noGrp="1" noChangeArrowheads="1"/>
+          </p:cNvSpPr>
+          <p:nvPr>
+            <p:ph type="title"/>
+          </p:nvPr>
+        </p:nvSpPr>
+        <p:spPr bwMode="auto">
+          <a:xfrm>
+            <a:off x="615390" y="2644170"/>
+            <a:ext cx="5486399" cy="1569660"/>
+          </a:xfrm>
+          <a:prstGeom prst="rect">
+            <a:avLst/>
+          </a:prstGeom>
+          <a:noFill/>
+          <a:ln>
+            <a:noFill/>
+          </a:ln>
+          <a:effectLst/>
+          <a:extLst>
+            <a:ext uri="{909E8E84-426E-40DD-AFC4-6F175D3DCCD1}">
+              <a14:hiddenFill xmlns:a14="http://schemas.microsoft.com/office/drawing/2010/main">
+                <a:solidFill>
+                  <a:schemeClr val="accent1"/>
+                </a:solidFill>
+              </a14:hiddenFill>
+            </a:ext>
+            <a:ext uri="{91240B29-F687-4F45-9708-019B960494DF}">
+              <a14:hiddenLine xmlns:a14="http://schemas.microsoft.com/office/drawing/2010/main" w="9525">
+                <a:solidFill>
+                  <a:schemeClr val="tx1"/>
+                </a:solidFill>
+                <a:miter lim="800000"/>
+                <a:headEnd/>
+                <a:tailEnd/>
+              </a14:hiddenLine>
+            </a:ext>
+            <a:ext uri="{AF507438-7753-43E0-B8FC-AC1667EBCBE1}">
+              <a14:hiddenEffects xmlns:a14="http://schemas.microsoft.com/office/drawing/2010/main">
+                <a:effectLst>
+                  <a:outerShdw dist="35921" dir="2700000" algn="ctr" rotWithShape="0">
+                    <a:schemeClr val="bg2"/>
+                  </a:outerShdw>
+                </a:effectLst>
+              </a14:hiddenEffects>
+            </a:ext>
+          </a:extLst>
+        </p:spPr>
+        <p:txBody>
+          <a:bodyPr vert="horz" wrap="square" lIns="91440" tIns="45720" rIns="91440" bIns="45720" numCol="1" anchor="ctr" anchorCtr="0" compatLnSpc="1">
+            <a:prstTxWarp prst="textNoShape">
+              <a:avLst/>
+            </a:prstTxWarp>
+            <a:spAutoFit/>
+          </a:bodyPr>
+          <a:lstStyle/>
+          <a:p>
+            <a:pPr marL="0" marR="0" lvl="0" indent="0" algn="l" defTabSz="914400" rtl="0" eaLnBrk="0" fontAlgn="base" latinLnBrk="0" hangingPunct="0">
+              <a:lnSpc>
+                <a:spcPct val="100000"/>
+              </a:lnSpc>
+              <a:spcBef>
+                <a:spcPct val="0"/>
+              </a:spcBef>
+              <a:spcAft>
+                <a:spcPct val="0"/>
+              </a:spcAft>
+              <a:buClrTx/>
+              <a:buSzTx/>
+              <a:buFontTx/>
+              <a:buNone/>
+              <a:tabLst/>
+            </a:pPr>
+            <a:r>
+              <a:rPr kumimoji="0" lang="en-US" altLang="en-US" sz="3200" i="0" u="none" strike="noStrike" cap="none" normalizeH="0" baseline="0" dirty="0">
+                <a:ln>
+                  <a:noFill/>
+                </a:ln>
+                <a:solidFill>
+                  <a:srgbClr val="F28360"/>
+                </a:solidFill>
+                <a:effectLst/>
+              </a:rPr>
+              <a:t>"WRITING TEST CASES IS A BOTTLENECK. </a:t>
+            </a:r>
+            <a:br>
+              <a:rPr kumimoji="0" lang="en-US" altLang="en-US" sz="3200" i="0" u="none" strike="noStrike" cap="none" normalizeH="0" baseline="0" dirty="0">
+                <a:ln>
+                  <a:noFill/>
+                </a:ln>
+                <a:solidFill>
+                  <a:srgbClr val="F28360"/>
+                </a:solidFill>
+                <a:effectLst/>
+              </a:rPr>
+            </a:br>
+            <a:r>
+              <a:rPr kumimoji="0" lang="en-US" altLang="en-US" sz="3200" i="0" u="none" strike="noStrike" cap="none" normalizeH="0" baseline="0" dirty="0">
+                <a:ln>
+                  <a:noFill/>
+                </a:ln>
+                <a:solidFill>
+                  <a:srgbClr val="F28360"/>
+                </a:solidFill>
+                <a:effectLst/>
+              </a:rPr>
+              <a:t>AI BREAKS THE BARRIER." </a:t>
+            </a:r>
+          </a:p>
+        </p:txBody>
+      </p:sp>
+    </p:spTree>
+    <p:extLst>
+      <p:ext uri="{BB962C8B-B14F-4D97-AF65-F5344CB8AC3E}">
+        <p14:creationId xmlns:p14="http://schemas.microsoft.com/office/powerpoint/2010/main" val="736585992"/>
+      </p:ext>
+    </p:extLst>
+  </p:cSld>
+  <p:clrMapOvr>
+    <a:masterClrMapping/>
+  </p:clrMapOvr>
+  <mc:AlternateContent xmlns:mc="http://schemas.openxmlformats.org/markup-compatibility/2006" xmlns:p159="http://schemas.microsoft.com/office/powerpoint/2015/09/main">
+    <mc:Choice Requires="p159">
+      <p:transition xmlns:p14="http://schemas.microsoft.com/office/powerpoint/2010/main" spd="slow" p14:dur="2000">
+        <p159:morph option="byObject"/>
+      </p:transition>
+    </mc:Choice>
+    <mc:Fallback xmlns="">
+      <p:transition spd="slow">
+        <p:fade/>
+      </p:transition>
+    </mc:Fallback>
+  </mc:AlternateContent>
+</p:sld>
+</file>
+
+<file path=ppt/slides/slide4.xml><?xml version="1.0" encoding="utf-8"?>
+<p:sld xmlns:a="http://schemas.openxmlformats.org/drawingml/2006/main" xmlns:r="http://schemas.openxmlformats.org/officeDocument/2006/relationships" xmlns:p="http://schemas.openxmlformats.org/presentationml/2006/main">
+  <p:cSld>
+    <p:spTree>
+      <p:nvGrpSpPr>
+        <p:cNvPr id="1" name=""/>
+        <p:cNvGrpSpPr/>
+        <p:nvPr/>
+      </p:nvGrpSpPr>
+      <p:grpSpPr>
+        <a:xfrm>
+          <a:off x="0" y="0"/>
+          <a:ext cx="0" cy="0"/>
+          <a:chOff x="0" y="0"/>
+          <a:chExt cx="0" cy="0"/>
+        </a:xfrm>
+      </p:grpSpPr>
+      <p:sp>
+        <p:nvSpPr>
+          <p:cNvPr id="6" name="Title 5">
+            <a:extLst>
+              <a:ext uri="{FF2B5EF4-FFF2-40B4-BE49-F238E27FC236}">
+                <a16:creationId xmlns:a16="http://schemas.microsoft.com/office/drawing/2014/main" id="{CA07FC9A-2F3F-A8E9-F955-F60A22238D2C}"/>
+              </a:ext>
+            </a:extLst>
+          </p:cNvPr>
+          <p:cNvSpPr>
+            <a:spLocks noGrp="1"/>
+          </p:cNvSpPr>
+          <p:nvPr>
+            <p:ph type="title"/>
+          </p:nvPr>
+        </p:nvSpPr>
+        <p:spPr>
+          <a:xfrm>
+            <a:off x="6016752" y="1229933"/>
+            <a:ext cx="5788152" cy="2286000"/>
+          </a:xfrm>
+        </p:spPr>
+        <p:txBody>
+          <a:bodyPr>
+            <a:normAutofit/>
+          </a:bodyPr>
+          <a:lstStyle/>
+          <a:p>
+            <a:r>
+              <a:rPr lang="en-US" sz="3200" dirty="0"/>
+              <a:t>Manual Testing is Failing – It’s Time for AI</a:t>
+            </a:r>
+          </a:p>
+        </p:txBody>
+      </p:sp>
+      <p:sp>
+        <p:nvSpPr>
+          <p:cNvPr id="2" name="Slide Number Placeholder 1">
+            <a:extLst>
+              <a:ext uri="{FF2B5EF4-FFF2-40B4-BE49-F238E27FC236}">
+                <a16:creationId xmlns:a16="http://schemas.microsoft.com/office/drawing/2014/main" id="{53267850-CC18-9110-9D9D-23795370D2D3}"/>
+              </a:ext>
+            </a:extLst>
+          </p:cNvPr>
+          <p:cNvSpPr>
+            <a:spLocks noGrp="1"/>
+          </p:cNvSpPr>
+          <p:nvPr>
+            <p:ph type="sldNum" sz="quarter" idx="12"/>
+          </p:nvPr>
+        </p:nvSpPr>
+        <p:spPr/>
+        <p:txBody>
+          <a:bodyPr/>
+          <a:lstStyle/>
+          <a:p>
+            <a:fld id="{2A013F82-EE5E-44EE-A61D-E31C6657F26F}" type="slidenum">
+              <a:rPr lang="en-US" smtClean="0"/>
+              <a:pPr/>
+              <a:t>4</a:t>
+            </a:fld>
+            <a:endParaRPr lang="en-US" dirty="0"/>
+          </a:p>
+        </p:txBody>
+      </p:sp>
+      <p:sp>
+        <p:nvSpPr>
+          <p:cNvPr id="3" name="Rectangle 1">
+            <a:extLst>
+              <a:ext uri="{FF2B5EF4-FFF2-40B4-BE49-F238E27FC236}">
+                <a16:creationId xmlns:a16="http://schemas.microsoft.com/office/drawing/2014/main" id="{76B5D75D-4208-8B81-A5ED-18D20CC74DC2}"/>
+              </a:ext>
+            </a:extLst>
+          </p:cNvPr>
+          <p:cNvSpPr>
+            <a:spLocks noGrp="1" noChangeArrowheads="1"/>
+          </p:cNvSpPr>
+          <p:nvPr>
+            <p:ph sz="quarter" idx="13"/>
+          </p:nvPr>
+        </p:nvSpPr>
+        <p:spPr bwMode="auto">
+          <a:xfrm>
+            <a:off x="608012" y="1952460"/>
+            <a:ext cx="5259387" cy="3126946"/>
+          </a:xfrm>
+          <a:prstGeom prst="rect">
+            <a:avLst/>
+          </a:prstGeom>
+          <a:noFill/>
+          <a:ln>
+            <a:noFill/>
+          </a:ln>
+          <a:effectLst/>
+          <a:extLst>
+            <a:ext uri="{909E8E84-426E-40DD-AFC4-6F175D3DCCD1}">
+              <a14:hiddenFill xmlns:a14="http://schemas.microsoft.com/office/drawing/2010/main">
+                <a:solidFill>
+                  <a:schemeClr val="accent1"/>
+                </a:solidFill>
+              </a14:hiddenFill>
+            </a:ext>
+            <a:ext uri="{91240B29-F687-4F45-9708-019B960494DF}">
+              <a14:hiddenLine xmlns:a14="http://schemas.microsoft.com/office/drawing/2010/main" w="9525">
+                <a:solidFill>
+                  <a:schemeClr val="tx1"/>
+                </a:solidFill>
+                <a:miter lim="800000"/>
+                <a:headEnd/>
+                <a:tailEnd/>
+              </a14:hiddenLine>
+            </a:ext>
+            <a:ext uri="{AF507438-7753-43E0-B8FC-AC1667EBCBE1}">
+              <a14:hiddenEffects xmlns:a14="http://schemas.microsoft.com/office/drawing/2010/main">
+                <a:effectLst>
+                  <a:outerShdw dist="35921" dir="2700000" algn="ctr" rotWithShape="0">
+                    <a:schemeClr val="bg2"/>
+                  </a:outerShdw>
+                </a:effectLst>
+              </a14:hiddenEffects>
+            </a:ext>
+          </a:extLst>
+        </p:spPr>
+        <p:txBody>
+          <a:bodyPr vert="horz" wrap="square" lIns="91440" tIns="45720" rIns="91440" bIns="45720" numCol="1" anchor="ctr" anchorCtr="0" compatLnSpc="1">
+            <a:prstTxWarp prst="textNoShape">
+              <a:avLst/>
+            </a:prstTxWarp>
+            <a:spAutoFit/>
+          </a:bodyPr>
+          <a:lstStyle/>
+          <a:p>
+            <a:pPr marL="0" indent="0">
+              <a:buNone/>
+            </a:pPr>
+            <a:r>
+              <a:rPr lang="en-US" sz="2000" dirty="0"/>
+              <a:t>• Manual test case generation is time-consuming and error-prone.</a:t>
+            </a:r>
+          </a:p>
+          <a:p>
+            <a:pPr marL="0" indent="0">
+              <a:buNone/>
+            </a:pPr>
+            <a:r>
+              <a:rPr lang="en-US" sz="2000" dirty="0"/>
+              <a:t>• Test coverage issues arise due to human oversight.</a:t>
+            </a:r>
+          </a:p>
+          <a:p>
+            <a:pPr marL="0" indent="0">
+              <a:buNone/>
+            </a:pPr>
+            <a:r>
+              <a:rPr lang="en-US" sz="2000" dirty="0"/>
+              <a:t>• There’s a need for an AI-driven automated approach.</a:t>
+            </a:r>
+          </a:p>
+          <a:p>
+            <a:pPr marL="0" indent="0">
+              <a:buNone/>
+            </a:pPr>
+            <a:endParaRPr lang="en-IN" sz="2000" dirty="0"/>
+          </a:p>
+          <a:p>
+            <a:pPr marL="0" marR="0" lvl="0" indent="0" algn="l" defTabSz="914400" rtl="0" eaLnBrk="0" fontAlgn="base" latinLnBrk="0" hangingPunct="0">
+              <a:lnSpc>
+                <a:spcPct val="150000"/>
+              </a:lnSpc>
+              <a:spcBef>
+                <a:spcPct val="0"/>
+              </a:spcBef>
+              <a:spcAft>
+                <a:spcPct val="0"/>
+              </a:spcAft>
+              <a:buClrTx/>
+              <a:buSzTx/>
+              <a:buFontTx/>
+              <a:buChar char="•"/>
+              <a:tabLst/>
+            </a:pPr>
+            <a:endParaRPr kumimoji="0" lang="en-US" altLang="en-US" sz="2000" i="0" u="none" strike="noStrike" cap="none" normalizeH="0" baseline="0" dirty="0">
+              <a:ln>
+                <a:noFill/>
+              </a:ln>
+              <a:solidFill>
+                <a:schemeClr val="tx1"/>
+              </a:solidFill>
+              <a:effectLst/>
+              <a:latin typeface="Century Gothic" panose="020B0502020202020204" pitchFamily="34" charset="0"/>
+            </a:endParaRPr>
+          </a:p>
+        </p:txBody>
+      </p:sp>
+    </p:spTree>
+    <p:extLst>
+      <p:ext uri="{BB962C8B-B14F-4D97-AF65-F5344CB8AC3E}">
+        <p14:creationId xmlns:p14="http://schemas.microsoft.com/office/powerpoint/2010/main" val="3547294629"/>
+      </p:ext>
+    </p:extLst>
+  </p:cSld>
+  <p:clrMapOvr>
+    <a:masterClrMapping/>
+  </p:clrMapOvr>
+  <mc:AlternateContent xmlns:mc="http://schemas.openxmlformats.org/markup-compatibility/2006" xmlns:p159="http://schemas.microsoft.com/office/powerpoint/2015/09/main">
+    <mc:Choice Requires="p159">
+      <p:transition xmlns:p14="http://schemas.microsoft.com/office/powerpoint/2010/main" spd="slow" p14:dur="2000">
+        <p159:morph option="byObject"/>
+      </p:transition>
+    </mc:Choice>
+    <mc:Fallback xmlns="">
+      <p:transition spd="slow">
+        <p:fade/>
+      </p:transition>
+    </mc:Fallback>
+  </mc:AlternateContent>
+</p:sld>
+</file>
+
+<file path=ppt/slides/slide5.xml><?xml version="1.0" encoding="utf-8"?>
+<p:sld xmlns:a="http://schemas.openxmlformats.org/drawingml/2006/main" xmlns:r="http://schemas.openxmlformats.org/officeDocument/2006/relationships" xmlns:p="http://schemas.openxmlformats.org/presentationml/2006/main">
+  <p:cSld>
+    <p:spTree>
+      <p:nvGrpSpPr>
+        <p:cNvPr id="1" name=""/>
+        <p:cNvGrpSpPr/>
+        <p:nvPr/>
+      </p:nvGrpSpPr>
+      <p:grpSpPr>
+        <a:xfrm>
+          <a:off x="0" y="0"/>
+          <a:ext cx="0" cy="0"/>
+          <a:chOff x="0" y="0"/>
+          <a:chExt cx="0" cy="0"/>
+        </a:xfrm>
+      </p:grpSpPr>
+      <p:sp>
+        <p:nvSpPr>
+          <p:cNvPr id="11" name="Title 10">
+            <a:extLst>
+              <a:ext uri="{FF2B5EF4-FFF2-40B4-BE49-F238E27FC236}">
+                <a16:creationId xmlns:a16="http://schemas.microsoft.com/office/drawing/2014/main" id="{0F8FCFCB-93C4-A34B-D650-ADFFB8C3EB8A}"/>
+              </a:ext>
+            </a:extLst>
+          </p:cNvPr>
+          <p:cNvSpPr>
+            <a:spLocks noGrp="1"/>
+          </p:cNvSpPr>
+          <p:nvPr>
+            <p:ph type="title"/>
+          </p:nvPr>
+        </p:nvSpPr>
+        <p:spPr>
+          <a:xfrm>
+            <a:off x="455612" y="914937"/>
+            <a:ext cx="8010144" cy="1673352"/>
+          </a:xfrm>
+        </p:spPr>
+        <p:txBody>
+          <a:bodyPr/>
+          <a:lstStyle/>
+          <a:p>
+            <a:r>
+              <a:rPr lang="en-US" dirty="0"/>
+              <a:t>Testing Reinvented: Meet </a:t>
+            </a:r>
+            <a:r>
+              <a:rPr lang="en-US" dirty="0" err="1"/>
+              <a:t>TestAi</a:t>
+            </a:r>
+            <a:endParaRPr lang="en-US" dirty="0"/>
+          </a:p>
+        </p:txBody>
+      </p:sp>
+      <p:sp>
+        <p:nvSpPr>
+          <p:cNvPr id="2" name="Slide Number Placeholder 1">
+            <a:extLst>
+              <a:ext uri="{FF2B5EF4-FFF2-40B4-BE49-F238E27FC236}">
+                <a16:creationId xmlns:a16="http://schemas.microsoft.com/office/drawing/2014/main" id="{668D17B5-4366-177D-7B14-8FF91A259B47}"/>
+              </a:ext>
+            </a:extLst>
+          </p:cNvPr>
+          <p:cNvSpPr>
+            <a:spLocks noGrp="1"/>
+          </p:cNvSpPr>
+          <p:nvPr>
+            <p:ph type="sldNum" sz="quarter" idx="12"/>
+          </p:nvPr>
+        </p:nvSpPr>
+        <p:spPr/>
+        <p:txBody>
+          <a:bodyPr/>
+          <a:lstStyle/>
+          <a:p>
+            <a:fld id="{2A013F82-EE5E-44EE-A61D-E31C6657F26F}" type="slidenum">
+              <a:rPr lang="en-US" smtClean="0"/>
+              <a:pPr/>
+              <a:t>5</a:t>
+            </a:fld>
+            <a:endParaRPr lang="en-US" dirty="0"/>
+          </a:p>
+        </p:txBody>
+      </p:sp>
+      <p:sp>
+        <p:nvSpPr>
+          <p:cNvPr id="3" name="Rectangle 1">
+            <a:extLst>
+              <a:ext uri="{FF2B5EF4-FFF2-40B4-BE49-F238E27FC236}">
+                <a16:creationId xmlns:a16="http://schemas.microsoft.com/office/drawing/2014/main" id="{884D92D8-362D-B446-492B-DFDFB6D2CE9D}"/>
+              </a:ext>
+            </a:extLst>
+          </p:cNvPr>
+          <p:cNvSpPr>
+            <a:spLocks noGrp="1" noChangeArrowheads="1"/>
+          </p:cNvSpPr>
+          <p:nvPr>
+            <p:ph sz="quarter" idx="13"/>
+          </p:nvPr>
+        </p:nvSpPr>
+        <p:spPr bwMode="auto">
+          <a:xfrm>
+            <a:off x="760412" y="2493749"/>
+            <a:ext cx="7239000" cy="2994346"/>
+          </a:xfrm>
+          <a:prstGeom prst="rect">
+            <a:avLst/>
+          </a:prstGeom>
+          <a:noFill/>
+          <a:ln>
+            <a:noFill/>
+          </a:ln>
+          <a:effectLst/>
+          <a:extLst>
+            <a:ext uri="{909E8E84-426E-40DD-AFC4-6F175D3DCCD1}">
+              <a14:hiddenFill xmlns:a14="http://schemas.microsoft.com/office/drawing/2010/main">
+                <a:solidFill>
+                  <a:schemeClr val="accent1"/>
+                </a:solidFill>
+              </a14:hiddenFill>
+            </a:ext>
+            <a:ext uri="{91240B29-F687-4F45-9708-019B960494DF}">
+              <a14:hiddenLine xmlns:a14="http://schemas.microsoft.com/office/drawing/2010/main" w="9525">
+                <a:solidFill>
+                  <a:schemeClr val="tx1"/>
+                </a:solidFill>
+                <a:miter lim="800000"/>
+                <a:headEnd/>
+                <a:tailEnd/>
+              </a14:hiddenLine>
+            </a:ext>
+            <a:ext uri="{AF507438-7753-43E0-B8FC-AC1667EBCBE1}">
+              <a14:hiddenEffects xmlns:a14="http://schemas.microsoft.com/office/drawing/2010/main">
+                <a:effectLst>
+                  <a:outerShdw dist="35921" dir="2700000" algn="ctr" rotWithShape="0">
+                    <a:schemeClr val="bg2"/>
+                  </a:outerShdw>
+                </a:effectLst>
+              </a14:hiddenEffects>
+            </a:ext>
+          </a:extLst>
+        </p:spPr>
+        <p:txBody>
+          <a:bodyPr vert="horz" wrap="square" lIns="91440" tIns="45720" rIns="91440" bIns="45720" numCol="1" anchor="ctr" anchorCtr="0" compatLnSpc="1">
+            <a:prstTxWarp prst="textNoShape">
+              <a:avLst/>
+            </a:prstTxWarp>
+            <a:spAutoFit/>
+          </a:bodyPr>
+          <a:lstStyle/>
+          <a:p>
+            <a:pPr marL="0" indent="0">
+              <a:buNone/>
+            </a:pPr>
+            <a:r>
+              <a:rPr lang="en-US" sz="1800" dirty="0"/>
+              <a:t>• TestAI reads SRS documents and generates test cases automatically.</a:t>
+            </a:r>
+          </a:p>
+          <a:p>
+            <a:pPr marL="0" indent="0">
+              <a:buNone/>
+            </a:pPr>
+            <a:r>
+              <a:rPr lang="en-US" sz="1800" dirty="0"/>
+              <a:t>• Uses Natural Language Processing (NLP).</a:t>
+            </a:r>
+          </a:p>
+          <a:p>
+            <a:pPr marL="0" indent="0">
+              <a:buNone/>
+            </a:pPr>
+            <a:r>
+              <a:rPr lang="en-US" sz="1800" dirty="0"/>
+              <a:t>• Reduces manual effort, improves accuracy, and speeds up testing.</a:t>
+            </a:r>
+          </a:p>
+          <a:p>
+            <a:pPr marL="0" marR="0" lvl="0" indent="0" algn="l" defTabSz="914400" rtl="0" eaLnBrk="0" fontAlgn="base" latinLnBrk="0" hangingPunct="0">
+              <a:spcBef>
+                <a:spcPct val="0"/>
+              </a:spcBef>
+              <a:spcAft>
+                <a:spcPct val="0"/>
+              </a:spcAft>
+              <a:buClrTx/>
+              <a:buSzTx/>
+              <a:buFontTx/>
+              <a:buChar char="•"/>
+              <a:tabLst/>
+            </a:pPr>
+            <a:endParaRPr kumimoji="0" lang="en-US" altLang="en-US" sz="1800" i="0" u="none" strike="noStrike" cap="none" normalizeH="0" baseline="0" dirty="0">
+              <a:ln>
+                <a:noFill/>
+              </a:ln>
+              <a:solidFill>
+                <a:schemeClr val="tx1"/>
+              </a:solidFill>
+              <a:effectLst/>
+              <a:latin typeface="Century Gothic" panose="020B0502020202020204" pitchFamily="34" charset="0"/>
+            </a:endParaRPr>
+          </a:p>
+        </p:txBody>
+      </p:sp>
+    </p:spTree>
+    <p:extLst>
+      <p:ext uri="{BB962C8B-B14F-4D97-AF65-F5344CB8AC3E}">
+        <p14:creationId xmlns:p14="http://schemas.microsoft.com/office/powerpoint/2010/main" val="2282226682"/>
+      </p:ext>
+    </p:extLst>
+  </p:cSld>
+  <p:clrMapOvr>
+    <a:masterClrMapping/>
+  </p:clrMapOvr>
+  <mc:AlternateContent xmlns:mc="http://schemas.openxmlformats.org/markup-compatibility/2006" xmlns:p159="http://schemas.microsoft.com/office/powerpoint/2015/09/main">
+    <mc:Choice Requires="p159">
+      <p:transition xmlns:p14="http://schemas.microsoft.com/office/powerpoint/2010/main" spd="slow" p14:dur="2000">
+        <p159:morph option="byObject"/>
+      </p:transition>
+    </mc:Choice>
+    <mc:Fallback xmlns="">
+      <p:transition spd="slow">
+        <p:fade/>
+      </p:transition>
+    </mc:Fallback>
+  </mc:AlternateContent>
+</p:sld>
+</file>
+
+<file path=ppt/slides/slide6.xml><?xml version="1.0" encoding="utf-8"?>
+<p:sld xmlns:a="http://schemas.openxmlformats.org/drawingml/2006/main" xmlns:r="http://schemas.openxmlformats.org/officeDocument/2006/relationships" xmlns:p="http://schemas.openxmlformats.org/presentationml/2006/main">
+  <p:cSld>
+    <p:spTree>
+      <p:nvGrpSpPr>
+        <p:cNvPr id="1" name=""/>
+        <p:cNvGrpSpPr/>
+        <p:nvPr/>
+      </p:nvGrpSpPr>
+      <p:grpSpPr>
+        <a:xfrm>
+          <a:off x="0" y="0"/>
+          <a:ext cx="0" cy="0"/>
+          <a:chOff x="0" y="0"/>
+          <a:chExt cx="0" cy="0"/>
+        </a:xfrm>
+      </p:grpSpPr>
+      <p:sp>
+        <p:nvSpPr>
+          <p:cNvPr id="27" name="Title 26">
+            <a:extLst>
+              <a:ext uri="{FF2B5EF4-FFF2-40B4-BE49-F238E27FC236}">
+                <a16:creationId xmlns:a16="http://schemas.microsoft.com/office/drawing/2014/main" id="{56ACD720-5015-228A-2BFF-0FD5FA78192D}"/>
+              </a:ext>
+            </a:extLst>
+          </p:cNvPr>
+          <p:cNvSpPr>
+            <a:spLocks noGrp="1"/>
+          </p:cNvSpPr>
+          <p:nvPr>
+            <p:ph type="title"/>
+          </p:nvPr>
+        </p:nvSpPr>
+        <p:spPr/>
+        <p:txBody>
+          <a:bodyPr/>
+          <a:lstStyle/>
+          <a:p>
+            <a:r>
+              <a:rPr lang="en-US" dirty="0"/>
+              <a:t>How it works</a:t>
+            </a:r>
+          </a:p>
+        </p:txBody>
+      </p:sp>
+      <p:sp>
+        <p:nvSpPr>
+          <p:cNvPr id="28" name="Content Placeholder 27">
+            <a:extLst>
+              <a:ext uri="{FF2B5EF4-FFF2-40B4-BE49-F238E27FC236}">
+                <a16:creationId xmlns:a16="http://schemas.microsoft.com/office/drawing/2014/main" id="{93E9497C-B706-7D4B-B850-9EE7948699D0}"/>
+              </a:ext>
+            </a:extLst>
+          </p:cNvPr>
+          <p:cNvSpPr>
+            <a:spLocks noGrp="1"/>
+          </p:cNvSpPr>
+          <p:nvPr>
+            <p:ph sz="quarter" idx="13"/>
+          </p:nvPr>
+        </p:nvSpPr>
+        <p:spPr/>
+        <p:txBody>
+          <a:bodyPr/>
+          <a:lstStyle/>
+          <a:p>
+            <a:pPr marL="342900" indent="-342900">
+              <a:buClr>
+                <a:schemeClr val="tx1"/>
+              </a:buClr>
+              <a:buFont typeface="+mj-lt"/>
+              <a:buAutoNum type="arabicPeriod"/>
+            </a:pPr>
+            <a:r>
+              <a:rPr lang="en-US" dirty="0"/>
+              <a:t>Create an account</a:t>
+            </a:r>
+          </a:p>
+          <a:p>
+            <a:pPr marL="342900" indent="-342900">
+              <a:buClr>
+                <a:schemeClr val="tx1"/>
+              </a:buClr>
+              <a:buFont typeface="+mj-lt"/>
+              <a:buAutoNum type="arabicPeriod"/>
+            </a:pPr>
+            <a:r>
+              <a:rPr lang="en-US" dirty="0"/>
+              <a:t>Turn in your </a:t>
+            </a:r>
+            <a:r>
+              <a:rPr lang="en-US" sz="1800" dirty="0"/>
+              <a:t>SRS document</a:t>
+            </a:r>
+          </a:p>
+          <a:p>
+            <a:pPr marL="0" indent="0">
+              <a:lnSpc>
+                <a:spcPct val="150000"/>
+              </a:lnSpc>
+              <a:buNone/>
+            </a:pPr>
+            <a:r>
+              <a:rPr lang="en-US" sz="1800" dirty="0"/>
+              <a:t>3. AI extracts key requirements</a:t>
+            </a:r>
+          </a:p>
+          <a:p>
+            <a:pPr marL="0" indent="0">
+              <a:lnSpc>
+                <a:spcPct val="150000"/>
+              </a:lnSpc>
+              <a:buNone/>
+            </a:pPr>
+            <a:r>
+              <a:rPr lang="en-US" sz="1800" dirty="0"/>
+              <a:t>4. AI generates functional &amp; non-functional test cases</a:t>
+            </a:r>
+          </a:p>
+          <a:p>
+            <a:pPr marL="0" indent="0">
+              <a:lnSpc>
+                <a:spcPct val="150000"/>
+              </a:lnSpc>
+              <a:buNone/>
+            </a:pPr>
+            <a:r>
+              <a:rPr lang="en-US" dirty="0"/>
+              <a:t>5</a:t>
+            </a:r>
+            <a:r>
+              <a:rPr lang="en-US" sz="1800" dirty="0"/>
+              <a:t>. Output: Test cases (manual &amp; automated formats)</a:t>
+            </a:r>
+          </a:p>
+          <a:p>
+            <a:pPr marL="0" indent="0">
+              <a:buClr>
+                <a:schemeClr val="tx1"/>
+              </a:buClr>
+              <a:buNone/>
+            </a:pPr>
+            <a:endParaRPr lang="en-US" sz="1800" dirty="0"/>
+          </a:p>
+        </p:txBody>
+      </p:sp>
+      <p:sp>
+        <p:nvSpPr>
+          <p:cNvPr id="2" name="Slide Number Placeholder 1">
+            <a:extLst>
+              <a:ext uri="{FF2B5EF4-FFF2-40B4-BE49-F238E27FC236}">
+                <a16:creationId xmlns:a16="http://schemas.microsoft.com/office/drawing/2014/main" id="{B0267D56-A7FC-87CC-3F7B-61E69A7BEF34}"/>
+              </a:ext>
+            </a:extLst>
+          </p:cNvPr>
+          <p:cNvSpPr>
+            <a:spLocks noGrp="1"/>
+          </p:cNvSpPr>
+          <p:nvPr>
+            <p:ph type="sldNum" sz="quarter" idx="12"/>
+          </p:nvPr>
+        </p:nvSpPr>
+        <p:spPr/>
+        <p:txBody>
+          <a:bodyPr/>
+          <a:lstStyle/>
+          <a:p>
+            <a:fld id="{2A013F82-EE5E-44EE-A61D-E31C6657F26F}" type="slidenum">
+              <a:rPr lang="en-US" smtClean="0"/>
+              <a:pPr/>
+              <a:t>6</a:t>
+            </a:fld>
+            <a:endParaRPr lang="en-US" dirty="0"/>
+          </a:p>
+        </p:txBody>
+      </p:sp>
+    </p:spTree>
+    <p:extLst>
+      <p:ext uri="{BB962C8B-B14F-4D97-AF65-F5344CB8AC3E}">
+        <p14:creationId xmlns:p14="http://schemas.microsoft.com/office/powerpoint/2010/main" val="3718853555"/>
+      </p:ext>
+    </p:extLst>
+  </p:cSld>
+  <p:clrMapOvr>
+    <a:masterClrMapping/>
+  </p:clrMapOvr>
+  <mc:AlternateContent xmlns:mc="http://schemas.openxmlformats.org/markup-compatibility/2006" xmlns:p159="http://schemas.microsoft.com/office/powerpoint/2015/09/main">
+    <mc:Choice Requires="p159">
+      <p:transition xmlns:p14="http://schemas.microsoft.com/office/powerpoint/2010/main" spd="slow" p14:dur="2000">
+        <p159:morph option="byObject"/>
+      </p:transition>
+    </mc:Choice>
+    <mc:Fallback xmlns="">
+      <p:transition spd="slow">
+        <p:fade/>
+      </p:transition>
+    </mc:Fallback>
+  </mc:AlternateContent>
+</p:sld>
+</file>
+
+<file path=ppt/slides/slide7.xml><?xml version="1.0" encoding="utf-8"?>
+<p:sld xmlns:a="http://schemas.openxmlformats.org/drawingml/2006/main" xmlns:r="http://schemas.openxmlformats.org/officeDocument/2006/relationships" xmlns:p="http://schemas.openxmlformats.org/presentationml/2006/main">
+  <p:cSld>
+    <p:spTree>
+      <p:nvGrpSpPr>
+        <p:cNvPr id="1" name=""/>
+        <p:cNvGrpSpPr/>
+        <p:nvPr/>
+      </p:nvGrpSpPr>
+      <p:grpSpPr>
+        <a:xfrm>
+          <a:off x="0" y="0"/>
+          <a:ext cx="0" cy="0"/>
+          <a:chOff x="0" y="0"/>
+          <a:chExt cx="0" cy="0"/>
+        </a:xfrm>
+      </p:grpSpPr>
+      <p:sp>
+        <p:nvSpPr>
+          <p:cNvPr id="27" name="Title 26">
+            <a:extLst>
+              <a:ext uri="{FF2B5EF4-FFF2-40B4-BE49-F238E27FC236}">
+                <a16:creationId xmlns:a16="http://schemas.microsoft.com/office/drawing/2014/main" id="{8B656394-28CD-07EB-472E-6BB6010ADB48}"/>
+              </a:ext>
+            </a:extLst>
+          </p:cNvPr>
+          <p:cNvSpPr>
+            <a:spLocks noGrp="1"/>
+          </p:cNvSpPr>
+          <p:nvPr>
+            <p:ph type="title"/>
+          </p:nvPr>
+        </p:nvSpPr>
+        <p:spPr>
+          <a:xfrm>
+            <a:off x="457200" y="3324415"/>
+            <a:ext cx="5768138" cy="2286000"/>
+          </a:xfrm>
+        </p:spPr>
+        <p:txBody>
+          <a:bodyPr/>
+          <a:lstStyle/>
+          <a:p>
+            <a:r>
+              <a:rPr lang="en-US" dirty="0"/>
+              <a:t>Key features</a:t>
+            </a:r>
+          </a:p>
+        </p:txBody>
+      </p:sp>
+      <p:sp>
+        <p:nvSpPr>
+          <p:cNvPr id="28" name="Content Placeholder 27">
+            <a:extLst>
+              <a:ext uri="{FF2B5EF4-FFF2-40B4-BE49-F238E27FC236}">
+                <a16:creationId xmlns:a16="http://schemas.microsoft.com/office/drawing/2014/main" id="{2175A07C-673D-4C4F-44DB-ADB7429995E2}"/>
+              </a:ext>
+            </a:extLst>
+          </p:cNvPr>
+          <p:cNvSpPr>
+            <a:spLocks noGrp="1"/>
+          </p:cNvSpPr>
+          <p:nvPr>
+            <p:ph sz="quarter" idx="13"/>
+          </p:nvPr>
+        </p:nvSpPr>
+        <p:spPr>
+          <a:xfrm>
+            <a:off x="6775704" y="990600"/>
+            <a:ext cx="4576508" cy="4938713"/>
+          </a:xfrm>
+        </p:spPr>
+        <p:txBody>
+          <a:bodyPr/>
+          <a:lstStyle/>
+          <a:p>
+            <a:pPr>
+              <a:lnSpc>
+                <a:spcPct val="100000"/>
+              </a:lnSpc>
+            </a:pPr>
+            <a:r>
+              <a:rPr lang="en-IN" sz="1800" dirty="0"/>
+              <a:t>Reads and understands SRS documents</a:t>
+            </a:r>
+          </a:p>
+          <a:p>
+            <a:pPr>
+              <a:lnSpc>
+                <a:spcPct val="100000"/>
+              </a:lnSpc>
+            </a:pPr>
+            <a:r>
+              <a:rPr lang="en-IN" sz="1800" dirty="0"/>
+              <a:t>Generates functional &amp; non-functional test cases</a:t>
+            </a:r>
+          </a:p>
+          <a:p>
+            <a:pPr>
+              <a:lnSpc>
+                <a:spcPct val="100000"/>
+              </a:lnSpc>
+            </a:pPr>
+            <a:r>
+              <a:rPr lang="en-IN" sz="1800" dirty="0"/>
+              <a:t>Supports manual and automated testing</a:t>
+            </a:r>
+          </a:p>
+          <a:p>
+            <a:pPr>
+              <a:lnSpc>
+                <a:spcPct val="100000"/>
+              </a:lnSpc>
+            </a:pPr>
+            <a:r>
+              <a:rPr lang="en-IN" sz="1800" dirty="0"/>
+              <a:t>Reduces time &amp; human errors</a:t>
+            </a:r>
+          </a:p>
+          <a:p>
+            <a:pPr>
+              <a:lnSpc>
+                <a:spcPct val="100000"/>
+              </a:lnSpc>
+            </a:pPr>
+            <a:r>
+              <a:rPr lang="en-IN" dirty="0"/>
+              <a:t>Lets you download the test cases in the form of a text file. </a:t>
+            </a:r>
+            <a:endParaRPr lang="en-IN" sz="1800" dirty="0"/>
+          </a:p>
+          <a:p>
+            <a:pPr>
+              <a:lnSpc>
+                <a:spcPct val="100000"/>
+              </a:lnSpc>
+            </a:pPr>
+            <a:endParaRPr lang="en-IN" sz="1800" dirty="0"/>
+          </a:p>
+          <a:p>
+            <a:endParaRPr lang="en-US" dirty="0">
+              <a:latin typeface="Century Gothic" panose="020B0502020202020204" pitchFamily="34" charset="0"/>
+            </a:endParaRPr>
+          </a:p>
+        </p:txBody>
+      </p:sp>
+      <p:sp>
+        <p:nvSpPr>
+          <p:cNvPr id="2" name="Slide Number Placeholder 1">
+            <a:extLst>
+              <a:ext uri="{FF2B5EF4-FFF2-40B4-BE49-F238E27FC236}">
+                <a16:creationId xmlns:a16="http://schemas.microsoft.com/office/drawing/2014/main" id="{B77897C4-19E2-DF97-626D-4033C7D29E2F}"/>
+              </a:ext>
+            </a:extLst>
+          </p:cNvPr>
+          <p:cNvSpPr>
+            <a:spLocks noGrp="1"/>
+          </p:cNvSpPr>
+          <p:nvPr>
+            <p:ph type="sldNum" sz="quarter" idx="12"/>
+          </p:nvPr>
+        </p:nvSpPr>
+        <p:spPr/>
+        <p:txBody>
+          <a:bodyPr/>
+          <a:lstStyle/>
+          <a:p>
+            <a:fld id="{2A013F82-EE5E-44EE-A61D-E31C6657F26F}" type="slidenum">
+              <a:rPr lang="en-US" smtClean="0"/>
+              <a:pPr/>
+              <a:t>7</a:t>
+            </a:fld>
+            <a:endParaRPr lang="en-US" dirty="0"/>
+          </a:p>
+        </p:txBody>
+      </p:sp>
+    </p:spTree>
+    <p:extLst>
+      <p:ext uri="{BB962C8B-B14F-4D97-AF65-F5344CB8AC3E}">
+        <p14:creationId xmlns:p14="http://schemas.microsoft.com/office/powerpoint/2010/main" val="2817226324"/>
+      </p:ext>
+    </p:extLst>
+  </p:cSld>
+  <p:clrMapOvr>
+    <a:masterClrMapping/>
+  </p:clrMapOvr>
+  <mc:AlternateContent xmlns:mc="http://schemas.openxmlformats.org/markup-compatibility/2006" xmlns:p159="http://schemas.microsoft.com/office/powerpoint/2015/09/main">
+    <mc:Choice Requires="p159">
+      <p:transition xmlns:p14="http://schemas.microsoft.com/office/powerpoint/2010/main" spd="slow" p14:dur="2000">
+        <p159:morph option="byObject"/>
+      </p:transition>
+    </mc:Choice>
+    <mc:Fallback xmlns="">
+      <p:transition spd="slow">
+        <p:fade/>
+      </p:transition>
+    </mc:Fallback>
+  </mc:AlternateContent>
+</p:sld>
+</file>
+
+<file path=ppt/slides/slide8.xml><?xml version="1.0" encoding="utf-8"?>
+<p:sld xmlns:a="http://schemas.openxmlformats.org/drawingml/2006/main" xmlns:r="http://schemas.openxmlformats.org/officeDocument/2006/relationships" xmlns:p="http://schemas.openxmlformats.org/presentationml/2006/main">
+  <p:cSld>
+    <p:spTree>
+      <p:nvGrpSpPr>
+        <p:cNvPr id="1" name=""/>
+        <p:cNvGrpSpPr/>
+        <p:nvPr/>
+      </p:nvGrpSpPr>
+      <p:grpSpPr>
+        <a:xfrm>
+          <a:off x="0" y="0"/>
+          <a:ext cx="0" cy="0"/>
+          <a:chOff x="0" y="0"/>
+          <a:chExt cx="0" cy="0"/>
+        </a:xfrm>
+      </p:grpSpPr>
+      <p:sp>
+        <p:nvSpPr>
+          <p:cNvPr id="2" name="Title 1">
+            <a:extLst>
+              <a:ext uri="{FF2B5EF4-FFF2-40B4-BE49-F238E27FC236}">
+                <a16:creationId xmlns:a16="http://schemas.microsoft.com/office/drawing/2014/main" id="{0FBAD528-C93C-7AD4-199F-708A7E56ED65}"/>
+              </a:ext>
+            </a:extLst>
+          </p:cNvPr>
+          <p:cNvSpPr>
+            <a:spLocks noGrp="1"/>
+          </p:cNvSpPr>
+          <p:nvPr>
+            <p:ph type="title"/>
+          </p:nvPr>
+        </p:nvSpPr>
+        <p:spPr/>
+        <p:txBody>
+          <a:bodyPr/>
+          <a:lstStyle/>
+          <a:p>
+            <a:r>
+              <a:rPr lang="en-IN" dirty="0"/>
+              <a:t>Technologies used</a:t>
+            </a:r>
+          </a:p>
+        </p:txBody>
+      </p:sp>
+      <p:sp>
+        <p:nvSpPr>
+          <p:cNvPr id="3" name="Content Placeholder 2">
+            <a:extLst>
+              <a:ext uri="{FF2B5EF4-FFF2-40B4-BE49-F238E27FC236}">
+                <a16:creationId xmlns:a16="http://schemas.microsoft.com/office/drawing/2014/main" id="{EC3FAAF0-0B95-72B6-BF61-2384BD6F78EB}"/>
+              </a:ext>
+            </a:extLst>
+          </p:cNvPr>
+          <p:cNvSpPr>
+            <a:spLocks noGrp="1"/>
+          </p:cNvSpPr>
+          <p:nvPr>
+            <p:ph sz="quarter" idx="13"/>
+          </p:nvPr>
+        </p:nvSpPr>
+        <p:spPr/>
+        <p:txBody>
+          <a:bodyPr>
+            <a:normAutofit/>
+          </a:bodyPr>
+          <a:lstStyle/>
+          <a:p>
+            <a:r>
+              <a:rPr lang="en-IN" sz="2000" b="1" dirty="0"/>
+              <a:t>Flask</a:t>
+            </a:r>
+            <a:r>
+              <a:rPr lang="en-IN" sz="2000" dirty="0"/>
+              <a:t> – Web framework for handling requests &amp; running the app.</a:t>
+            </a:r>
+          </a:p>
+          <a:p>
+            <a:r>
+              <a:rPr lang="en-IN" sz="2000" b="1" dirty="0"/>
+              <a:t>Google Generative AI (Gemini API)</a:t>
+            </a:r>
+            <a:r>
+              <a:rPr lang="en-IN" sz="2000" dirty="0"/>
+              <a:t> – Generates test cases from SRS.</a:t>
+            </a:r>
+          </a:p>
+          <a:p>
+            <a:r>
+              <a:rPr lang="en-IN" sz="2000" b="1" dirty="0"/>
+              <a:t>PyPDF2</a:t>
+            </a:r>
+            <a:r>
+              <a:rPr lang="en-IN" sz="2000" dirty="0"/>
+              <a:t> – Extracts text from PDF documents.</a:t>
+            </a:r>
+          </a:p>
+          <a:p>
+            <a:r>
+              <a:rPr lang="en-IN" sz="2000" dirty="0"/>
+              <a:t> </a:t>
+            </a:r>
+            <a:r>
+              <a:rPr lang="en-IN" sz="2000" b="1" dirty="0" err="1"/>
+              <a:t>Werkzeug</a:t>
+            </a:r>
+            <a:r>
+              <a:rPr lang="en-IN" sz="2000" b="1" dirty="0"/>
+              <a:t> (</a:t>
+            </a:r>
+            <a:r>
+              <a:rPr lang="en-IN" sz="2000" b="1" dirty="0" err="1"/>
+              <a:t>secure_filename</a:t>
+            </a:r>
+            <a:r>
+              <a:rPr lang="en-IN" sz="2000" b="1" dirty="0"/>
+              <a:t>)</a:t>
+            </a:r>
+            <a:r>
+              <a:rPr lang="en-IN" sz="2000" dirty="0"/>
+              <a:t> – Manages secure file uploads.</a:t>
+            </a:r>
+          </a:p>
+          <a:p>
+            <a:r>
+              <a:rPr lang="en-IN" sz="2000" b="1" dirty="0"/>
+              <a:t>CSV Module</a:t>
+            </a:r>
+            <a:r>
+              <a:rPr lang="en-IN" sz="2000" dirty="0"/>
+              <a:t> – Converts test cases into downloadable CSV files.</a:t>
+            </a:r>
+          </a:p>
+        </p:txBody>
+      </p:sp>
+      <p:sp>
+        <p:nvSpPr>
+          <p:cNvPr id="4" name="Slide Number Placeholder 3">
+            <a:extLst>
+              <a:ext uri="{FF2B5EF4-FFF2-40B4-BE49-F238E27FC236}">
+                <a16:creationId xmlns:a16="http://schemas.microsoft.com/office/drawing/2014/main" id="{4ECA736C-7630-89E5-7C67-4DD5F0A3BE56}"/>
+              </a:ext>
+            </a:extLst>
+          </p:cNvPr>
+          <p:cNvSpPr>
+            <a:spLocks noGrp="1"/>
+          </p:cNvSpPr>
+          <p:nvPr>
+            <p:ph type="sldNum" sz="quarter" idx="12"/>
+          </p:nvPr>
+        </p:nvSpPr>
+        <p:spPr/>
+        <p:txBody>
+          <a:bodyPr/>
+          <a:lstStyle/>
+          <a:p>
+            <a:fld id="{2A013F82-EE5E-44EE-A61D-E31C6657F26F}" type="slidenum">
+              <a:rPr lang="en-US" smtClean="0"/>
+              <a:pPr/>
+              <a:t>8</a:t>
+            </a:fld>
+            <a:endParaRPr lang="en-US" dirty="0"/>
+          </a:p>
+        </p:txBody>
+      </p:sp>
+    </p:spTree>
+    <p:extLst>
+      <p:ext uri="{BB962C8B-B14F-4D97-AF65-F5344CB8AC3E}">
+        <p14:creationId xmlns:p14="http://schemas.microsoft.com/office/powerpoint/2010/main" val="235229270"/>
+      </p:ext>
+    </p:extLst>
+  </p:cSld>
+  <p:clrMapOvr>
+    <a:masterClrMapping/>
+  </p:clrMapOvr>
+  <mc:AlternateContent xmlns:mc="http://schemas.openxmlformats.org/markup-compatibility/2006" xmlns:p159="http://schemas.microsoft.com/office/powerpoint/2015/09/main">
+    <mc:Choice Requires="p159">
+      <p:transition xmlns:p14="http://schemas.microsoft.com/office/powerpoint/2010/main" spd="slow" p14:dur="2000">
+        <p159:morph option="byObject"/>
+      </p:transition>
+    </mc:Choice>
+    <mc:Fallback xmlns="">
+      <p:transition spd="slow">
+        <p:fade/>
+      </p:transition>
+    </mc:Fallback>
+  </mc:AlternateContent>
+</p:sld>
+</file>
+
+<file path=ppt/slides/slide9.xml><?xml version="1.0" encoding="utf-8"?>
+<p:sld xmlns:a="http://schemas.openxmlformats.org/drawingml/2006/main" xmlns:r="http://schemas.openxmlformats.org/officeDocument/2006/relationships" xmlns:p="http://schemas.openxmlformats.org/presentationml/2006/main">
+  <p:cSld>
+    <p:spTree>
+      <p:nvGrpSpPr>
+        <p:cNvPr id="1" name=""/>
+        <p:cNvGrpSpPr/>
+        <p:nvPr/>
+      </p:nvGrpSpPr>
+      <p:grpSpPr>
+        <a:xfrm>
+          <a:off x="0" y="0"/>
+          <a:ext cx="0" cy="0"/>
+          <a:chOff x="0" y="0"/>
+          <a:chExt cx="0" cy="0"/>
+        </a:xfrm>
+      </p:grpSpPr>
+      <p:sp>
+        <p:nvSpPr>
+          <p:cNvPr id="2" name="Title 1">
+            <a:extLst>
+              <a:ext uri="{FF2B5EF4-FFF2-40B4-BE49-F238E27FC236}">
+                <a16:creationId xmlns:a16="http://schemas.microsoft.com/office/drawing/2014/main" id="{8F1ACBF8-031E-9395-9AF8-D8310EFCF27E}"/>
+              </a:ext>
+            </a:extLst>
+          </p:cNvPr>
+          <p:cNvSpPr>
+            <a:spLocks noGrp="1"/>
+          </p:cNvSpPr>
+          <p:nvPr>
+            <p:ph type="title"/>
+          </p:nvPr>
+        </p:nvSpPr>
+        <p:spPr/>
+        <p:txBody>
+          <a:bodyPr/>
+          <a:lstStyle/>
+          <a:p>
+            <a:r>
+              <a:rPr lang="en-IN" dirty="0"/>
+              <a:t>DO WE REALLY NEED THIS?</a:t>
+            </a:r>
+          </a:p>
+        </p:txBody>
+      </p:sp>
+    </p:spTree>
+    <p:extLst>
+      <p:ext uri="{BB962C8B-B14F-4D97-AF65-F5344CB8AC3E}">
+        <p14:creationId xmlns:p14="http://schemas.microsoft.com/office/powerpoint/2010/main" val="2245734788"/>
+      </p:ext>
+    </p:extLst>
+  </p:cSld>
+  <p:clrMapOvr>
+    <a:masterClrMapping/>
+  </p:clrMapOvr>
+  <mc:AlternateContent xmlns:mc="http://schemas.openxmlformats.org/markup-compatibility/2006" xmlns:p159="http://schemas.microsoft.com/office/powerpoint/2015/09/main">
+    <mc:Choice Requires="p159">
+      <p:transition xmlns:p14="http://schemas.microsoft.com/office/powerpoint/2010/main" spd="slow" p14:dur="2000">
+        <p159:morph option="byObject"/>
+      </p:transition>
+    </mc:Choice>
+    <mc:Fallback xmlns="">
       <p:transition spd="slow">
         <p:fade/>
       </p:transition>
@@ -21911,15 +22255,6 @@
 </file>
 
 <file path=customXml/item1.xml><?xml version="1.0" encoding="utf-8"?>
-<?mso-contentType ?>
-<FormTemplates xmlns="http://schemas.microsoft.com/sharepoint/v3/contenttype/forms">
-  <Display>DocumentLibraryForm</Display>
-  <Edit>DocumentLibraryForm</Edit>
-  <New>DocumentLibraryForm</New>
-</FormTemplates>
-</file>
-
-<file path=customXml/item2.xml><?xml version="1.0" encoding="utf-8"?>
 <p:properties xmlns:p="http://schemas.microsoft.com/office/2006/metadata/properties" xmlns:xsi="http://www.w3.org/2001/XMLSchema-instance" xmlns:pc="http://schemas.microsoft.com/office/infopath/2007/PartnerControls">
   <documentManagement>
     <_ip_UnifiedCompliancePolicyUIAction xmlns="http://schemas.microsoft.com/sharepoint/v3" xsi:nil="true"/>
@@ -21937,6 +22272,15 @@
     <MediaServiceKeyPoints xmlns="71af3243-3dd4-4a8d-8c0d-dd76da1f02a5" xsi:nil="true"/>
   </documentManagement>
 </p:properties>
+</file>
+
+<file path=customXml/item2.xml><?xml version="1.0" encoding="utf-8"?>
+<?mso-contentType ?>
+<FormTemplates xmlns="http://schemas.microsoft.com/sharepoint/v3/contenttype/forms">
+  <Display>DocumentLibraryForm</Display>
+  <Edit>DocumentLibraryForm</Edit>
+  <New>DocumentLibraryForm</New>
+</FormTemplates>
 </file>
 
 <file path=customXml/item3.xml><?xml version="1.0" encoding="utf-8"?>
@@ -22252,14 +22596,6 @@
 </file>
 
 <file path=customXml/itemProps1.xml><?xml version="1.0" encoding="utf-8"?>
-<ds:datastoreItem xmlns:ds="http://schemas.openxmlformats.org/officeDocument/2006/customXml" ds:itemID="{5E79A7DD-7AD4-4E5D-8534-CBBF6EB29F0E}">
-  <ds:schemaRefs>
-    <ds:schemaRef ds:uri="http://schemas.microsoft.com/sharepoint/v3/contenttype/forms"/>
-  </ds:schemaRefs>
-</ds:datastoreItem>
-</file>
-
-<file path=customXml/itemProps2.xml><?xml version="1.0" encoding="utf-8"?>
 <ds:datastoreItem xmlns:ds="http://schemas.openxmlformats.org/officeDocument/2006/customXml" ds:itemID="{681A9A6D-0DC3-4010-94FC-B36121170FA0}">
   <ds:schemaRefs>
     <ds:schemaRef ds:uri="http://schemas.microsoft.com/office/2006/metadata/properties"/>
@@ -22267,6 +22603,14 @@
     <ds:schemaRef ds:uri="http://schemas.microsoft.com/sharepoint/v3"/>
     <ds:schemaRef ds:uri="71af3243-3dd4-4a8d-8c0d-dd76da1f02a5"/>
     <ds:schemaRef ds:uri="230e9df3-be65-4c73-a93b-d1236ebd677e"/>
+  </ds:schemaRefs>
+</ds:datastoreItem>
+</file>
+
+<file path=customXml/itemProps2.xml><?xml version="1.0" encoding="utf-8"?>
+<ds:datastoreItem xmlns:ds="http://schemas.openxmlformats.org/officeDocument/2006/customXml" ds:itemID="{5E79A7DD-7AD4-4E5D-8534-CBBF6EB29F0E}">
+  <ds:schemaRefs>
+    <ds:schemaRef ds:uri="http://schemas.microsoft.com/sharepoint/v3/contenttype/forms"/>
   </ds:schemaRefs>
 </ds:datastoreItem>
 </file>
